--- a/期末結案.pptx
+++ b/期末結案.pptx
@@ -5,7 +5,7 @@
     <p:sldMasterId id="2147483660" r:id="rId1"/>
   </p:sldMasterIdLst>
   <p:notesMasterIdLst>
-    <p:notesMasterId r:id="rId14"/>
+    <p:notesMasterId r:id="rId22"/>
   </p:notesMasterIdLst>
   <p:sldIdLst>
     <p:sldId id="256" r:id="rId2"/>
@@ -17,9 +17,17 @@
     <p:sldId id="272" r:id="rId8"/>
     <p:sldId id="273" r:id="rId9"/>
     <p:sldId id="269" r:id="rId10"/>
-    <p:sldId id="268" r:id="rId11"/>
-    <p:sldId id="278" r:id="rId12"/>
-    <p:sldId id="277" r:id="rId13"/>
+    <p:sldId id="280" r:id="rId11"/>
+    <p:sldId id="281" r:id="rId12"/>
+    <p:sldId id="282" r:id="rId13"/>
+    <p:sldId id="283" r:id="rId14"/>
+    <p:sldId id="284" r:id="rId15"/>
+    <p:sldId id="285" r:id="rId16"/>
+    <p:sldId id="268" r:id="rId17"/>
+    <p:sldId id="287" r:id="rId18"/>
+    <p:sldId id="278" r:id="rId19"/>
+    <p:sldId id="286" r:id="rId20"/>
+    <p:sldId id="277" r:id="rId21"/>
   </p:sldIdLst>
   <p:sldSz cx="12192000" cy="6858000"/>
   <p:notesSz cx="6858000" cy="9144000"/>
@@ -208,7 +216,7 @@
           <a:p>
             <a:fld id="{56D3A3A6-3C4C-4FCE-AD89-BA523ADB04F5}" type="datetimeFigureOut">
               <a:rPr lang="zh-TW" altLang="en-US" smtClean="0"/>
-              <a:t>2018/6/23</a:t>
+              <a:t>2018/6/25</a:t>
             </a:fld>
             <a:endParaRPr lang="zh-TW" altLang="en-US"/>
           </a:p>
@@ -606,6 +614,182 @@
           <a:p>
             <a:r>
               <a:rPr lang="zh-TW" altLang="en-US" dirty="0" smtClean="0"/>
+              <a:t>分工不變</a:t>
+            </a:r>
+            <a:endParaRPr lang="zh-TW" altLang="en-US" dirty="0"/>
+          </a:p>
+        </p:txBody>
+      </p:sp>
+      <p:sp>
+        <p:nvSpPr>
+          <p:cNvPr id="4" name="投影片編號版面配置區 3"/>
+          <p:cNvSpPr>
+            <a:spLocks noGrp="1"/>
+          </p:cNvSpPr>
+          <p:nvPr>
+            <p:ph type="sldNum" sz="quarter" idx="10"/>
+          </p:nvPr>
+        </p:nvSpPr>
+        <p:spPr/>
+        <p:txBody>
+          <a:bodyPr/>
+          <a:lstStyle/>
+          <a:p>
+            <a:fld id="{55C61F04-7788-45BB-834B-C00F4F19BC2F}" type="slidenum">
+              <a:rPr lang="zh-TW" altLang="en-US" smtClean="0"/>
+              <a:t>2</a:t>
+            </a:fld>
+            <a:endParaRPr lang="zh-TW" altLang="en-US"/>
+          </a:p>
+        </p:txBody>
+      </p:sp>
+    </p:spTree>
+    <p:extLst>
+      <p:ext uri="{BB962C8B-B14F-4D97-AF65-F5344CB8AC3E}">
+        <p14:creationId xmlns:p14="http://schemas.microsoft.com/office/powerpoint/2010/main" val="304093897"/>
+      </p:ext>
+    </p:extLst>
+  </p:cSld>
+  <p:clrMapOvr>
+    <a:masterClrMapping/>
+  </p:clrMapOvr>
+</p:notes>
+</file>
+
+<file path=ppt/notesSlides/notesSlide3.xml><?xml version="1.0" encoding="utf-8"?>
+<p:notes xmlns:a="http://schemas.openxmlformats.org/drawingml/2006/main" xmlns:r="http://schemas.openxmlformats.org/officeDocument/2006/relationships" xmlns:p="http://schemas.openxmlformats.org/presentationml/2006/main">
+  <p:cSld>
+    <p:spTree>
+      <p:nvGrpSpPr>
+        <p:cNvPr id="1" name=""/>
+        <p:cNvGrpSpPr/>
+        <p:nvPr/>
+      </p:nvGrpSpPr>
+      <p:grpSpPr>
+        <a:xfrm>
+          <a:off x="0" y="0"/>
+          <a:ext cx="0" cy="0"/>
+          <a:chOff x="0" y="0"/>
+          <a:chExt cx="0" cy="0"/>
+        </a:xfrm>
+      </p:grpSpPr>
+      <p:sp>
+        <p:nvSpPr>
+          <p:cNvPr id="2" name="投影片圖像版面配置區 1"/>
+          <p:cNvSpPr>
+            <a:spLocks noGrp="1" noRot="1" noChangeAspect="1"/>
+          </p:cNvSpPr>
+          <p:nvPr>
+            <p:ph type="sldImg"/>
+          </p:nvPr>
+        </p:nvSpPr>
+        <p:spPr/>
+      </p:sp>
+      <p:sp>
+        <p:nvSpPr>
+          <p:cNvPr id="3" name="備忘稿版面配置區 2"/>
+          <p:cNvSpPr>
+            <a:spLocks noGrp="1"/>
+          </p:cNvSpPr>
+          <p:nvPr>
+            <p:ph type="body" idx="1"/>
+          </p:nvPr>
+        </p:nvSpPr>
+        <p:spPr/>
+        <p:txBody>
+          <a:bodyPr/>
+          <a:lstStyle/>
+          <a:p>
+            <a:r>
+              <a:rPr lang="zh-TW" altLang="en-US" dirty="0" smtClean="0"/>
+              <a:t>跟之前一樣</a:t>
+            </a:r>
+            <a:endParaRPr lang="zh-TW" altLang="en-US" dirty="0"/>
+          </a:p>
+        </p:txBody>
+      </p:sp>
+      <p:sp>
+        <p:nvSpPr>
+          <p:cNvPr id="4" name="投影片編號版面配置區 3"/>
+          <p:cNvSpPr>
+            <a:spLocks noGrp="1"/>
+          </p:cNvSpPr>
+          <p:nvPr>
+            <p:ph type="sldNum" sz="quarter" idx="10"/>
+          </p:nvPr>
+        </p:nvSpPr>
+        <p:spPr/>
+        <p:txBody>
+          <a:bodyPr/>
+          <a:lstStyle/>
+          <a:p>
+            <a:fld id="{55C61F04-7788-45BB-834B-C00F4F19BC2F}" type="slidenum">
+              <a:rPr lang="zh-TW" altLang="en-US" smtClean="0"/>
+              <a:t>4</a:t>
+            </a:fld>
+            <a:endParaRPr lang="zh-TW" altLang="en-US"/>
+          </a:p>
+        </p:txBody>
+      </p:sp>
+    </p:spTree>
+    <p:extLst>
+      <p:ext uri="{BB962C8B-B14F-4D97-AF65-F5344CB8AC3E}">
+        <p14:creationId xmlns:p14="http://schemas.microsoft.com/office/powerpoint/2010/main" val="1191789832"/>
+      </p:ext>
+    </p:extLst>
+  </p:cSld>
+  <p:clrMapOvr>
+    <a:masterClrMapping/>
+  </p:clrMapOvr>
+</p:notes>
+</file>
+
+<file path=ppt/notesSlides/notesSlide4.xml><?xml version="1.0" encoding="utf-8"?>
+<p:notes xmlns:a="http://schemas.openxmlformats.org/drawingml/2006/main" xmlns:r="http://schemas.openxmlformats.org/officeDocument/2006/relationships" xmlns:p="http://schemas.openxmlformats.org/presentationml/2006/main">
+  <p:cSld>
+    <p:spTree>
+      <p:nvGrpSpPr>
+        <p:cNvPr id="1" name=""/>
+        <p:cNvGrpSpPr/>
+        <p:nvPr/>
+      </p:nvGrpSpPr>
+      <p:grpSpPr>
+        <a:xfrm>
+          <a:off x="0" y="0"/>
+          <a:ext cx="0" cy="0"/>
+          <a:chOff x="0" y="0"/>
+          <a:chExt cx="0" cy="0"/>
+        </a:xfrm>
+      </p:grpSpPr>
+      <p:sp>
+        <p:nvSpPr>
+          <p:cNvPr id="2" name="投影片圖像版面配置區 1"/>
+          <p:cNvSpPr>
+            <a:spLocks noGrp="1" noRot="1" noChangeAspect="1"/>
+          </p:cNvSpPr>
+          <p:nvPr>
+            <p:ph type="sldImg"/>
+          </p:nvPr>
+        </p:nvSpPr>
+        <p:spPr/>
+      </p:sp>
+      <p:sp>
+        <p:nvSpPr>
+          <p:cNvPr id="3" name="備忘稿版面配置區 2"/>
+          <p:cNvSpPr>
+            <a:spLocks noGrp="1"/>
+          </p:cNvSpPr>
+          <p:nvPr>
+            <p:ph type="body" idx="1"/>
+          </p:nvPr>
+        </p:nvSpPr>
+        <p:spPr/>
+        <p:txBody>
+          <a:bodyPr/>
+          <a:lstStyle/>
+          <a:p>
+            <a:r>
+              <a:rPr lang="zh-TW" altLang="en-US" dirty="0" smtClean="0"/>
               <a:t>實線</a:t>
             </a:r>
             <a:r>
@@ -699,7 +883,6 @@
               <a:rPr lang="zh-TW" altLang="en-US" dirty="0" smtClean="0"/>
               <a:t>功能與流程設計</a:t>
             </a:r>
-            <a:endParaRPr lang="zh-TW" altLang="en-US" dirty="0" smtClean="0"/>
           </a:p>
           <a:p>
             <a:endParaRPr lang="zh-TW" altLang="en-US" dirty="0" smtClean="0"/>
@@ -740,11 +923,7 @@
             </a:r>
             <a:r>
               <a:rPr lang="zh-TW" altLang="en-US" dirty="0" smtClean="0"/>
-              <a:t>測試各功能是否能正常獨立</a:t>
-            </a:r>
-            <a:r>
-              <a:rPr lang="zh-TW" altLang="en-US" dirty="0" smtClean="0"/>
-              <a:t>運作</a:t>
+              <a:t>測試各功能是否能正常獨立運作</a:t>
             </a:r>
             <a:r>
               <a:rPr lang="en-US" altLang="zh-TW" dirty="0" smtClean="0"/>
@@ -754,7 +933,6 @@
               <a:rPr lang="zh-TW" altLang="en-US" dirty="0" smtClean="0"/>
               <a:t>功能分開</a:t>
             </a:r>
-            <a:endParaRPr lang="zh-TW" altLang="en-US" dirty="0" smtClean="0"/>
           </a:p>
           <a:p>
             <a:r>
@@ -767,11 +945,7 @@
             </a:r>
             <a:r>
               <a:rPr lang="zh-TW" altLang="en-US" dirty="0" smtClean="0"/>
-              <a:t>將多個功能依架構組裝整合，對系統進行正確性</a:t>
-            </a:r>
-            <a:r>
-              <a:rPr lang="zh-TW" altLang="en-US" dirty="0" smtClean="0"/>
-              <a:t>檢驗</a:t>
+              <a:t>將多個功能依架構組裝整合，對系統進行正確性檢驗</a:t>
             </a:r>
             <a:r>
               <a:rPr lang="en-US" altLang="zh-TW" dirty="0" smtClean="0"/>
@@ -781,7 +955,6 @@
               <a:rPr lang="zh-TW" altLang="en-US" dirty="0" smtClean="0"/>
               <a:t>整合之後測試</a:t>
             </a:r>
-            <a:endParaRPr lang="zh-TW" altLang="en-US" dirty="0" smtClean="0"/>
           </a:p>
           <a:p>
             <a:r>
@@ -794,11 +967,7 @@
             </a:r>
             <a:r>
               <a:rPr lang="zh-TW" altLang="en-US" dirty="0" smtClean="0"/>
-              <a:t>依據使用者需求的系統規格設計進行測試，考慮硬體、外部系統、數據和人員等其他系統</a:t>
-            </a:r>
-            <a:r>
-              <a:rPr lang="zh-TW" altLang="en-US" dirty="0" smtClean="0"/>
-              <a:t>元素</a:t>
+              <a:t>依據使用者需求的系統規格設計進行測試，考慮硬體、外部系統、數據和人員等其他系統元素</a:t>
             </a:r>
             <a:r>
               <a:rPr lang="en-US" altLang="zh-TW" dirty="0" smtClean="0"/>
@@ -808,7 +977,6 @@
               <a:rPr lang="zh-TW" altLang="en-US" dirty="0" smtClean="0"/>
               <a:t>作業系統相容性問題</a:t>
             </a:r>
-            <a:endParaRPr lang="zh-TW" altLang="en-US" dirty="0" smtClean="0"/>
           </a:p>
         </p:txBody>
       </p:sp>
@@ -848,7 +1016,7 @@
 </p:notes>
 </file>
 
-<file path=ppt/notesSlides/notesSlide3.xml><?xml version="1.0" encoding="utf-8"?>
+<file path=ppt/notesSlides/notesSlide5.xml><?xml version="1.0" encoding="utf-8"?>
 <p:notes xmlns:a="http://schemas.openxmlformats.org/drawingml/2006/main" xmlns:r="http://schemas.openxmlformats.org/officeDocument/2006/relationships" xmlns:p="http://schemas.openxmlformats.org/presentationml/2006/main">
   <p:cSld>
     <p:spTree>
@@ -1442,7 +1610,7 @@
           <a:p>
             <a:fld id="{D7572321-384A-2C4C-A72D-3B1881A35287}" type="datetimeFigureOut">
               <a:rPr kumimoji="1" lang="zh-TW" altLang="en-US" smtClean="0"/>
-              <a:t>2018/6/23</a:t>
+              <a:t>2018/6/25</a:t>
             </a:fld>
             <a:endParaRPr kumimoji="1" lang="zh-TW" altLang="en-US"/>
           </a:p>
@@ -1738,7 +1906,7 @@
           <a:p>
             <a:fld id="{D7572321-384A-2C4C-A72D-3B1881A35287}" type="datetimeFigureOut">
               <a:rPr kumimoji="1" lang="zh-TW" altLang="en-US" smtClean="0"/>
-              <a:t>2018/6/23</a:t>
+              <a:t>2018/6/25</a:t>
             </a:fld>
             <a:endParaRPr kumimoji="1" lang="zh-TW" altLang="en-US"/>
           </a:p>
@@ -1986,7 +2154,7 @@
           <a:p>
             <a:fld id="{D7572321-384A-2C4C-A72D-3B1881A35287}" type="datetimeFigureOut">
               <a:rPr kumimoji="1" lang="zh-TW" altLang="en-US" smtClean="0"/>
-              <a:t>2018/6/23</a:t>
+              <a:t>2018/6/25</a:t>
             </a:fld>
             <a:endParaRPr kumimoji="1" lang="zh-TW" altLang="en-US"/>
           </a:p>
@@ -2526,7 +2694,7 @@
           <a:p>
             <a:fld id="{D7572321-384A-2C4C-A72D-3B1881A35287}" type="datetimeFigureOut">
               <a:rPr kumimoji="1" lang="zh-TW" altLang="en-US" smtClean="0"/>
-              <a:t>2018/6/23</a:t>
+              <a:t>2018/6/25</a:t>
             </a:fld>
             <a:endParaRPr kumimoji="1" lang="zh-TW" altLang="en-US"/>
           </a:p>
@@ -2774,7 +2942,7 @@
           <a:p>
             <a:fld id="{D7572321-384A-2C4C-A72D-3B1881A35287}" type="datetimeFigureOut">
               <a:rPr kumimoji="1" lang="zh-TW" altLang="en-US" smtClean="0"/>
-              <a:t>2018/6/23</a:t>
+              <a:t>2018/6/25</a:t>
             </a:fld>
             <a:endParaRPr kumimoji="1" lang="zh-TW" altLang="en-US"/>
           </a:p>
@@ -3306,7 +3474,7 @@
           <a:p>
             <a:fld id="{D7572321-384A-2C4C-A72D-3B1881A35287}" type="datetimeFigureOut">
               <a:rPr kumimoji="1" lang="zh-TW" altLang="en-US" smtClean="0"/>
-              <a:t>2018/6/23</a:t>
+              <a:t>2018/6/25</a:t>
             </a:fld>
             <a:endParaRPr kumimoji="1" lang="zh-TW" altLang="en-US"/>
           </a:p>
@@ -3603,7 +3771,7 @@
           <a:p>
             <a:fld id="{D7572321-384A-2C4C-A72D-3B1881A35287}" type="datetimeFigureOut">
               <a:rPr kumimoji="1" lang="zh-TW" altLang="en-US" smtClean="0"/>
-              <a:t>2018/6/23</a:t>
+              <a:t>2018/6/25</a:t>
             </a:fld>
             <a:endParaRPr kumimoji="1" lang="zh-TW" altLang="en-US"/>
           </a:p>
@@ -3777,7 +3945,7 @@
           <a:p>
             <a:fld id="{D7572321-384A-2C4C-A72D-3B1881A35287}" type="datetimeFigureOut">
               <a:rPr kumimoji="1" lang="zh-TW" altLang="en-US" smtClean="0"/>
-              <a:t>2018/6/23</a:t>
+              <a:t>2018/6/25</a:t>
             </a:fld>
             <a:endParaRPr kumimoji="1" lang="zh-TW" altLang="en-US"/>
           </a:p>
@@ -3957,7 +4125,7 @@
           <a:p>
             <a:fld id="{D7572321-384A-2C4C-A72D-3B1881A35287}" type="datetimeFigureOut">
               <a:rPr kumimoji="1" lang="zh-TW" altLang="en-US" smtClean="0"/>
-              <a:t>2018/6/23</a:t>
+              <a:t>2018/6/25</a:t>
             </a:fld>
             <a:endParaRPr kumimoji="1" lang="zh-TW" altLang="en-US"/>
           </a:p>
@@ -4127,7 +4295,7 @@
           <a:p>
             <a:fld id="{D7572321-384A-2C4C-A72D-3B1881A35287}" type="datetimeFigureOut">
               <a:rPr kumimoji="1" lang="zh-TW" altLang="en-US" smtClean="0"/>
-              <a:t>2018/6/23</a:t>
+              <a:t>2018/6/25</a:t>
             </a:fld>
             <a:endParaRPr kumimoji="1" lang="zh-TW" altLang="en-US"/>
           </a:p>
@@ -4378,7 +4546,7 @@
           <a:p>
             <a:fld id="{D7572321-384A-2C4C-A72D-3B1881A35287}" type="datetimeFigureOut">
               <a:rPr kumimoji="1" lang="zh-TW" altLang="en-US" smtClean="0"/>
-              <a:t>2018/6/23</a:t>
+              <a:t>2018/6/25</a:t>
             </a:fld>
             <a:endParaRPr kumimoji="1" lang="zh-TW" altLang="en-US"/>
           </a:p>
@@ -4675,7 +4843,7 @@
           <a:p>
             <a:fld id="{D7572321-384A-2C4C-A72D-3B1881A35287}" type="datetimeFigureOut">
               <a:rPr kumimoji="1" lang="zh-TW" altLang="en-US" smtClean="0"/>
-              <a:t>2018/6/23</a:t>
+              <a:t>2018/6/25</a:t>
             </a:fld>
             <a:endParaRPr kumimoji="1" lang="zh-TW" altLang="en-US"/>
           </a:p>
@@ -5117,7 +5285,7 @@
           <a:p>
             <a:fld id="{D7572321-384A-2C4C-A72D-3B1881A35287}" type="datetimeFigureOut">
               <a:rPr kumimoji="1" lang="zh-TW" altLang="en-US" smtClean="0"/>
-              <a:t>2018/6/23</a:t>
+              <a:t>2018/6/25</a:t>
             </a:fld>
             <a:endParaRPr kumimoji="1" lang="zh-TW" altLang="en-US"/>
           </a:p>
@@ -5235,7 +5403,7 @@
           <a:p>
             <a:fld id="{D7572321-384A-2C4C-A72D-3B1881A35287}" type="datetimeFigureOut">
               <a:rPr kumimoji="1" lang="zh-TW" altLang="en-US" smtClean="0"/>
-              <a:t>2018/6/23</a:t>
+              <a:t>2018/6/25</a:t>
             </a:fld>
             <a:endParaRPr kumimoji="1" lang="zh-TW" altLang="en-US"/>
           </a:p>
@@ -5330,7 +5498,7 @@
           <a:p>
             <a:fld id="{D7572321-384A-2C4C-A72D-3B1881A35287}" type="datetimeFigureOut">
               <a:rPr kumimoji="1" lang="zh-TW" altLang="en-US" smtClean="0"/>
-              <a:t>2018/6/23</a:t>
+              <a:t>2018/6/25</a:t>
             </a:fld>
             <a:endParaRPr kumimoji="1" lang="zh-TW" altLang="en-US"/>
           </a:p>
@@ -5613,7 +5781,7 @@
           <a:p>
             <a:fld id="{D7572321-384A-2C4C-A72D-3B1881A35287}" type="datetimeFigureOut">
               <a:rPr kumimoji="1" lang="zh-TW" altLang="en-US" smtClean="0"/>
-              <a:t>2018/6/23</a:t>
+              <a:t>2018/6/25</a:t>
             </a:fld>
             <a:endParaRPr kumimoji="1" lang="zh-TW" altLang="en-US"/>
           </a:p>
@@ -5904,7 +6072,7 @@
           <a:p>
             <a:fld id="{D7572321-384A-2C4C-A72D-3B1881A35287}" type="datetimeFigureOut">
               <a:rPr kumimoji="1" lang="zh-TW" altLang="en-US" smtClean="0"/>
-              <a:t>2018/6/23</a:t>
+              <a:t>2018/6/25</a:t>
             </a:fld>
             <a:endParaRPr kumimoji="1" lang="zh-TW" altLang="en-US"/>
           </a:p>
@@ -6434,7 +6602,7 @@
           <a:p>
             <a:fld id="{D7572321-384A-2C4C-A72D-3B1881A35287}" type="datetimeFigureOut">
               <a:rPr kumimoji="1" lang="zh-TW" altLang="en-US" smtClean="0"/>
-              <a:t>2018/6/23</a:t>
+              <a:t>2018/6/25</a:t>
             </a:fld>
             <a:endParaRPr kumimoji="1" lang="zh-TW" altLang="en-US"/>
           </a:p>
@@ -7359,147 +7527,56 @@
       </p:grpSpPr>
       <p:sp>
         <p:nvSpPr>
-          <p:cNvPr id="2" name="標題 1">
+          <p:cNvPr id="2" name="標題 1"/>
+          <p:cNvSpPr>
+            <a:spLocks noGrp="1"/>
+          </p:cNvSpPr>
+          <p:nvPr>
+            <p:ph type="title"/>
+          </p:nvPr>
+        </p:nvSpPr>
+        <p:spPr/>
+        <p:txBody>
+          <a:bodyPr/>
+          <a:lstStyle/>
+          <a:p>
+            <a:endParaRPr lang="zh-TW" altLang="en-US"/>
+          </a:p>
+        </p:txBody>
+      </p:sp>
+      <p:pic>
+        <p:nvPicPr>
+          <p:cNvPr id="5" name="內容版面配置區 4"/>
+          <p:cNvPicPr>
+            <a:picLocks noGrp="1" noChangeAspect="1"/>
+          </p:cNvPicPr>
+          <p:nvPr>
+            <p:ph idx="1"/>
+          </p:nvPr>
+        </p:nvPicPr>
+        <p:blipFill>
+          <a:blip r:embed="rId2">
             <a:extLst>
-              <a:ext uri="{FF2B5EF4-FFF2-40B4-BE49-F238E27FC236}">
-                <a16:creationId xmlns:a16="http://schemas.microsoft.com/office/drawing/2014/main" id="{52DE735E-EB4B-F444-93A9-7085C06D2D4B}"/>
+              <a:ext uri="{28A0092B-C50C-407E-A947-70E740481C1C}">
+                <a14:useLocalDpi xmlns:a14="http://schemas.microsoft.com/office/drawing/2010/main" val="0"/>
               </a:ext>
             </a:extLst>
-          </p:cNvPr>
-          <p:cNvSpPr>
-            <a:spLocks noGrp="1"/>
-          </p:cNvSpPr>
-          <p:nvPr>
-            <p:ph type="title"/>
-          </p:nvPr>
-        </p:nvSpPr>
+          </a:blip>
+          <a:stretch>
+            <a:fillRect/>
+          </a:stretch>
+        </p:blipFill>
         <p:spPr>
           <a:xfrm>
-            <a:off x="1379205" y="507124"/>
-            <a:ext cx="10018713" cy="1752599"/>
+            <a:off x="1596766" y="916857"/>
+            <a:ext cx="9975802" cy="4930748"/>
           </a:xfrm>
         </p:spPr>
-        <p:txBody>
-          <a:bodyPr>
-            <a:normAutofit/>
-          </a:bodyPr>
-          <a:lstStyle/>
-          <a:p>
-            <a:r>
-              <a:rPr kumimoji="1" lang="zh-TW" altLang="en-US" sz="4800" dirty="0">
-                <a:latin typeface="標楷體" panose="03000509000000000000" pitchFamily="65" charset="-120"/>
-                <a:ea typeface="標楷體" panose="03000509000000000000" pitchFamily="65" charset="-120"/>
-              </a:rPr>
-              <a:t>評估</a:t>
-            </a:r>
-          </a:p>
-        </p:txBody>
-      </p:sp>
-      <p:sp>
-        <p:nvSpPr>
-          <p:cNvPr id="3" name="內容版面配置區 2">
-            <a:extLst>
-              <a:ext uri="{FF2B5EF4-FFF2-40B4-BE49-F238E27FC236}">
-                <a16:creationId xmlns:a16="http://schemas.microsoft.com/office/drawing/2014/main" id="{BA975A0E-79ED-9143-82AF-F4749B981ADB}"/>
-              </a:ext>
-            </a:extLst>
-          </p:cNvPr>
-          <p:cNvSpPr>
-            <a:spLocks noGrp="1"/>
-          </p:cNvSpPr>
-          <p:nvPr>
-            <p:ph idx="1"/>
-          </p:nvPr>
-        </p:nvSpPr>
-        <p:spPr>
-          <a:xfrm>
-            <a:off x="1379204" y="1891861"/>
-            <a:ext cx="10018713" cy="3124201"/>
-          </a:xfrm>
-        </p:spPr>
-        <p:txBody>
-          <a:bodyPr>
-            <a:normAutofit/>
-          </a:bodyPr>
-          <a:lstStyle/>
-          <a:p>
-            <a:r>
-              <a:rPr kumimoji="1" lang="zh-Hant" altLang="en-US" sz="2800" dirty="0">
-                <a:latin typeface="標楷體" panose="03000509000000000000" pitchFamily="65" charset="-120"/>
-                <a:ea typeface="標楷體" panose="03000509000000000000" pitchFamily="65" charset="-120"/>
-                <a:cs typeface="Arial" panose="020B0604020202020204" pitchFamily="34" charset="0"/>
-              </a:rPr>
-              <a:t>實際採用的資源以及進度估計</a:t>
-            </a:r>
-            <a:endParaRPr kumimoji="1" lang="en-US" altLang="zh-Hant" sz="2800" dirty="0">
-              <a:latin typeface="標楷體" panose="03000509000000000000" pitchFamily="65" charset="-120"/>
-              <a:ea typeface="標楷體" panose="03000509000000000000" pitchFamily="65" charset="-120"/>
-              <a:cs typeface="Arial" panose="020B0604020202020204" pitchFamily="34" charset="0"/>
-            </a:endParaRPr>
-          </a:p>
-          <a:p>
-            <a:r>
-              <a:rPr kumimoji="1" lang="zh-TW" altLang="en-US" sz="2800" dirty="0">
-                <a:latin typeface="標楷體" panose="03000509000000000000" pitchFamily="65" charset="-120"/>
-                <a:ea typeface="標楷體" panose="03000509000000000000" pitchFamily="65" charset="-120"/>
-                <a:cs typeface="Arial" panose="020B0604020202020204" pitchFamily="34" charset="0"/>
-              </a:rPr>
-              <a:t>完成度</a:t>
-            </a:r>
-            <a:r>
-              <a:rPr kumimoji="1" lang="en-US" altLang="zh-TW" sz="2800" dirty="0">
-                <a:latin typeface="標楷體" panose="03000509000000000000" pitchFamily="65" charset="-120"/>
-                <a:ea typeface="標楷體" panose="03000509000000000000" pitchFamily="65" charset="-120"/>
-                <a:cs typeface="Arial" panose="020B0604020202020204" pitchFamily="34" charset="0"/>
-              </a:rPr>
-              <a:t>(</a:t>
-            </a:r>
-            <a:r>
-              <a:rPr kumimoji="1" lang="zh-TW" altLang="en-US" sz="2800" dirty="0">
-                <a:latin typeface="標楷體" panose="03000509000000000000" pitchFamily="65" charset="-120"/>
-                <a:ea typeface="標楷體" panose="03000509000000000000" pitchFamily="65" charset="-120"/>
-                <a:cs typeface="Arial" panose="020B0604020202020204" pitchFamily="34" charset="0"/>
-              </a:rPr>
-              <a:t>多做或不足</a:t>
-            </a:r>
-            <a:r>
-              <a:rPr kumimoji="1" lang="en-US" altLang="zh-TW" sz="2800" dirty="0">
-                <a:latin typeface="標楷體" panose="03000509000000000000" pitchFamily="65" charset="-120"/>
-                <a:ea typeface="標楷體" panose="03000509000000000000" pitchFamily="65" charset="-120"/>
-                <a:cs typeface="Arial" panose="020B0604020202020204" pitchFamily="34" charset="0"/>
-              </a:rPr>
-              <a:t>)</a:t>
-            </a:r>
-          </a:p>
-          <a:p>
-            <a:r>
-              <a:rPr kumimoji="1" lang="zh-TW" altLang="en-US" sz="2800" dirty="0">
-                <a:latin typeface="標楷體" panose="03000509000000000000" pitchFamily="65" charset="-120"/>
-                <a:ea typeface="標楷體" panose="03000509000000000000" pitchFamily="65" charset="-120"/>
-                <a:cs typeface="Arial" panose="020B0604020202020204" pitchFamily="34" charset="0"/>
-              </a:rPr>
-              <a:t>未完善的部份有那些，原因為何</a:t>
-            </a:r>
-            <a:r>
-              <a:rPr kumimoji="1" lang="en-US" altLang="zh-TW" sz="2800" dirty="0">
-                <a:latin typeface="標楷體" panose="03000509000000000000" pitchFamily="65" charset="-120"/>
-                <a:ea typeface="標楷體" panose="03000509000000000000" pitchFamily="65" charset="-120"/>
-                <a:cs typeface="Arial" panose="020B0604020202020204" pitchFamily="34" charset="0"/>
-              </a:rPr>
-              <a:t>?</a:t>
-            </a:r>
-            <a:endParaRPr kumimoji="1" lang="zh-TW" altLang="en-US" sz="2800" dirty="0">
-              <a:latin typeface="標楷體" panose="03000509000000000000" pitchFamily="65" charset="-120"/>
-              <a:ea typeface="標楷體" panose="03000509000000000000" pitchFamily="65" charset="-120"/>
-              <a:cs typeface="Arial" panose="020B0604020202020204" pitchFamily="34" charset="0"/>
-            </a:endParaRPr>
-          </a:p>
-        </p:txBody>
-      </p:sp>
+      </p:pic>
     </p:spTree>
     <p:extLst>
       <p:ext uri="{BB962C8B-B14F-4D97-AF65-F5344CB8AC3E}">
-        <p14:creationId xmlns:p14="http://schemas.microsoft.com/office/powerpoint/2010/main" val="2623002094"/>
+        <p14:creationId xmlns:p14="http://schemas.microsoft.com/office/powerpoint/2010/main" val="2011025608"/>
       </p:ext>
     </p:extLst>
   </p:cSld>
@@ -7528,7 +7605,7 @@
       </p:grpSpPr>
       <p:sp>
         <p:nvSpPr>
-          <p:cNvPr id="4" name="標題 3"/>
+          <p:cNvPr id="2" name="標題 1"/>
           <p:cNvSpPr>
             <a:spLocks noGrp="1"/>
           </p:cNvSpPr>
@@ -7536,28 +7613,48 @@
             <p:ph type="title"/>
           </p:nvPr>
         </p:nvSpPr>
+        <p:spPr/>
+        <p:txBody>
+          <a:bodyPr/>
+          <a:lstStyle/>
+          <a:p>
+            <a:endParaRPr lang="zh-TW" altLang="en-US"/>
+          </a:p>
+        </p:txBody>
+      </p:sp>
+      <p:pic>
+        <p:nvPicPr>
+          <p:cNvPr id="4" name="內容版面配置區 3"/>
+          <p:cNvPicPr>
+            <a:picLocks noGrp="1" noChangeAspect="1"/>
+          </p:cNvPicPr>
+          <p:nvPr>
+            <p:ph idx="1"/>
+          </p:nvPr>
+        </p:nvPicPr>
+        <p:blipFill>
+          <a:blip r:embed="rId2">
+            <a:extLst>
+              <a:ext uri="{28A0092B-C50C-407E-A947-70E740481C1C}">
+                <a14:useLocalDpi xmlns:a14="http://schemas.microsoft.com/office/drawing/2010/main" val="0"/>
+              </a:ext>
+            </a:extLst>
+          </a:blip>
+          <a:stretch>
+            <a:fillRect/>
+          </a:stretch>
+        </p:blipFill>
         <p:spPr>
           <a:xfrm>
-            <a:off x="1063898" y="2714296"/>
-            <a:ext cx="10018713" cy="1752599"/>
+            <a:off x="1748789" y="1221657"/>
+            <a:ext cx="9684594" cy="4844845"/>
           </a:xfrm>
         </p:spPr>
-        <p:txBody>
-          <a:bodyPr/>
-          <a:lstStyle/>
-          <a:p>
-            <a:r>
-              <a:rPr lang="en-US" altLang="zh-TW" dirty="0" smtClean="0"/>
-              <a:t>Thanks for listening!</a:t>
-            </a:r>
-            <a:endParaRPr lang="zh-TW" altLang="en-US" dirty="0"/>
-          </a:p>
-        </p:txBody>
-      </p:sp>
+      </p:pic>
     </p:spTree>
     <p:extLst>
       <p:ext uri="{BB962C8B-B14F-4D97-AF65-F5344CB8AC3E}">
-        <p14:creationId xmlns:p14="http://schemas.microsoft.com/office/powerpoint/2010/main" val="625554552"/>
+        <p14:creationId xmlns:p14="http://schemas.microsoft.com/office/powerpoint/2010/main" val="3182849566"/>
       </p:ext>
     </p:extLst>
   </p:cSld>
@@ -7599,104 +7696,736 @@
           <a:bodyPr/>
           <a:lstStyle/>
           <a:p>
-            <a:r>
-              <a:rPr lang="zh-TW" altLang="en-US" dirty="0"/>
-              <a:t>應繳交文件</a:t>
-            </a:r>
-          </a:p>
-        </p:txBody>
-      </p:sp>
-      <p:sp>
-        <p:nvSpPr>
-          <p:cNvPr id="3" name="內容版面配置區 2"/>
-          <p:cNvSpPr>
-            <a:spLocks noGrp="1"/>
-          </p:cNvSpPr>
+            <a:endParaRPr lang="zh-TW" altLang="en-US"/>
+          </a:p>
+        </p:txBody>
+      </p:sp>
+      <p:pic>
+        <p:nvPicPr>
+          <p:cNvPr id="4" name="內容版面配置區 3"/>
+          <p:cNvPicPr>
+            <a:picLocks noGrp="1" noChangeAspect="1"/>
+          </p:cNvPicPr>
           <p:nvPr>
             <p:ph idx="1"/>
           </p:nvPr>
-        </p:nvSpPr>
-        <p:spPr/>
-        <p:txBody>
-          <a:bodyPr/>
-          <a:lstStyle/>
-          <a:p>
-            <a:r>
-              <a:rPr lang="zh-TW" altLang="en-US" dirty="0"/>
-              <a:t>下列文件請以組為單位，連同投影片一同上傳</a:t>
-            </a:r>
-            <a:endParaRPr lang="en-US" altLang="zh-TW" dirty="0"/>
-          </a:p>
-          <a:p>
-            <a:pPr lvl="1"/>
-            <a:r>
-              <a:rPr lang="zh-TW" altLang="en-US" dirty="0"/>
-              <a:t>架構設計</a:t>
-            </a:r>
-            <a:r>
-              <a:rPr lang="en-US" altLang="zh-TW" dirty="0"/>
-              <a:t>: </a:t>
-            </a:r>
-            <a:r>
-              <a:rPr lang="zh-TW" altLang="en-US" dirty="0"/>
-              <a:t>元件圖、佈署圖、類別圖</a:t>
-            </a:r>
-          </a:p>
-          <a:p>
-            <a:pPr lvl="1"/>
-            <a:r>
-              <a:rPr lang="zh-TW" altLang="en-US" dirty="0"/>
-              <a:t>架構設計的說明 </a:t>
-            </a:r>
-          </a:p>
-          <a:p>
-            <a:pPr lvl="1"/>
-            <a:r>
-              <a:rPr lang="zh-TW" altLang="en-US" dirty="0"/>
-              <a:t>程式畫面截圖</a:t>
-            </a:r>
-          </a:p>
-          <a:p>
-            <a:pPr lvl="1"/>
-            <a:r>
-              <a:rPr lang="zh-TW" altLang="en-US" dirty="0"/>
-              <a:t>團隊分工說明</a:t>
-            </a:r>
-          </a:p>
-          <a:p>
-            <a:pPr lvl="1"/>
-            <a:r>
-              <a:rPr lang="zh-TW" altLang="en-US" dirty="0"/>
-              <a:t>最後成果</a:t>
-            </a:r>
-            <a:r>
-              <a:rPr lang="en-US" altLang="zh-TW" dirty="0" err="1"/>
-              <a:t>Github</a:t>
-            </a:r>
-            <a:r>
-              <a:rPr lang="zh-TW" altLang="en-US" dirty="0"/>
-              <a:t>網址</a:t>
-            </a:r>
-          </a:p>
-        </p:txBody>
-      </p:sp>
+        </p:nvPicPr>
+        <p:blipFill>
+          <a:blip r:embed="rId2">
+            <a:extLst>
+              <a:ext uri="{28A0092B-C50C-407E-A947-70E740481C1C}">
+                <a14:useLocalDpi xmlns:a14="http://schemas.microsoft.com/office/drawing/2010/main" val="0"/>
+              </a:ext>
+            </a:extLst>
+          </a:blip>
+          <a:stretch>
+            <a:fillRect/>
+          </a:stretch>
+        </p:blipFill>
+        <p:spPr>
+          <a:xfrm>
+            <a:off x="1797948" y="1104899"/>
+            <a:ext cx="9292839" cy="4663547"/>
+          </a:xfrm>
+        </p:spPr>
+      </p:pic>
     </p:spTree>
     <p:extLst>
       <p:ext uri="{BB962C8B-B14F-4D97-AF65-F5344CB8AC3E}">
-        <p14:creationId xmlns:p14="http://schemas.microsoft.com/office/powerpoint/2010/main" val="3423192343"/>
+        <p14:creationId xmlns:p14="http://schemas.microsoft.com/office/powerpoint/2010/main" val="1553381898"/>
       </p:ext>
     </p:extLst>
   </p:cSld>
   <p:clrMapOvr>
     <a:masterClrMapping/>
   </p:clrMapOvr>
-  <p:timing>
-    <p:tnLst>
-      <p:par>
-        <p:cTn id="1" dur="indefinite" restart="never" nodeType="tmRoot"/>
-      </p:par>
-    </p:tnLst>
-  </p:timing>
+</p:sld>
+</file>
+
+<file path=ppt/slides/slide13.xml><?xml version="1.0" encoding="utf-8"?>
+<p:sld xmlns:a="http://schemas.openxmlformats.org/drawingml/2006/main" xmlns:r="http://schemas.openxmlformats.org/officeDocument/2006/relationships" xmlns:p="http://schemas.openxmlformats.org/presentationml/2006/main">
+  <p:cSld>
+    <p:spTree>
+      <p:nvGrpSpPr>
+        <p:cNvPr id="1" name=""/>
+        <p:cNvGrpSpPr/>
+        <p:nvPr/>
+      </p:nvGrpSpPr>
+      <p:grpSpPr>
+        <a:xfrm>
+          <a:off x="0" y="0"/>
+          <a:ext cx="0" cy="0"/>
+          <a:chOff x="0" y="0"/>
+          <a:chExt cx="0" cy="0"/>
+        </a:xfrm>
+      </p:grpSpPr>
+      <p:sp>
+        <p:nvSpPr>
+          <p:cNvPr id="2" name="標題 1"/>
+          <p:cNvSpPr>
+            <a:spLocks noGrp="1"/>
+          </p:cNvSpPr>
+          <p:nvPr>
+            <p:ph type="title"/>
+          </p:nvPr>
+        </p:nvSpPr>
+        <p:spPr/>
+        <p:txBody>
+          <a:bodyPr/>
+          <a:lstStyle/>
+          <a:p>
+            <a:endParaRPr lang="zh-TW" altLang="en-US"/>
+          </a:p>
+        </p:txBody>
+      </p:sp>
+      <p:pic>
+        <p:nvPicPr>
+          <p:cNvPr id="4" name="內容版面配置區 3"/>
+          <p:cNvPicPr>
+            <a:picLocks noGrp="1" noChangeAspect="1"/>
+          </p:cNvPicPr>
+          <p:nvPr>
+            <p:ph idx="1"/>
+          </p:nvPr>
+        </p:nvPicPr>
+        <p:blipFill>
+          <a:blip r:embed="rId2">
+            <a:extLst>
+              <a:ext uri="{28A0092B-C50C-407E-A947-70E740481C1C}">
+                <a14:useLocalDpi xmlns:a14="http://schemas.microsoft.com/office/drawing/2010/main" val="0"/>
+              </a:ext>
+            </a:extLst>
+          </a:blip>
+          <a:stretch>
+            <a:fillRect/>
+          </a:stretch>
+        </p:blipFill>
+        <p:spPr>
+          <a:xfrm>
+            <a:off x="1722543" y="1034844"/>
+            <a:ext cx="9653379" cy="4819073"/>
+          </a:xfrm>
+        </p:spPr>
+      </p:pic>
+    </p:spTree>
+    <p:extLst>
+      <p:ext uri="{BB962C8B-B14F-4D97-AF65-F5344CB8AC3E}">
+        <p14:creationId xmlns:p14="http://schemas.microsoft.com/office/powerpoint/2010/main" val="3963755302"/>
+      </p:ext>
+    </p:extLst>
+  </p:cSld>
+  <p:clrMapOvr>
+    <a:masterClrMapping/>
+  </p:clrMapOvr>
+</p:sld>
+</file>
+
+<file path=ppt/slides/slide14.xml><?xml version="1.0" encoding="utf-8"?>
+<p:sld xmlns:a="http://schemas.openxmlformats.org/drawingml/2006/main" xmlns:r="http://schemas.openxmlformats.org/officeDocument/2006/relationships" xmlns:p="http://schemas.openxmlformats.org/presentationml/2006/main">
+  <p:cSld>
+    <p:spTree>
+      <p:nvGrpSpPr>
+        <p:cNvPr id="1" name=""/>
+        <p:cNvGrpSpPr/>
+        <p:nvPr/>
+      </p:nvGrpSpPr>
+      <p:grpSpPr>
+        <a:xfrm>
+          <a:off x="0" y="0"/>
+          <a:ext cx="0" cy="0"/>
+          <a:chOff x="0" y="0"/>
+          <a:chExt cx="0" cy="0"/>
+        </a:xfrm>
+      </p:grpSpPr>
+      <p:sp>
+        <p:nvSpPr>
+          <p:cNvPr id="2" name="標題 1"/>
+          <p:cNvSpPr>
+            <a:spLocks noGrp="1"/>
+          </p:cNvSpPr>
+          <p:nvPr>
+            <p:ph type="title"/>
+          </p:nvPr>
+        </p:nvSpPr>
+        <p:spPr/>
+        <p:txBody>
+          <a:bodyPr/>
+          <a:lstStyle/>
+          <a:p>
+            <a:endParaRPr lang="zh-TW" altLang="en-US"/>
+          </a:p>
+        </p:txBody>
+      </p:sp>
+      <p:pic>
+        <p:nvPicPr>
+          <p:cNvPr id="4" name="內容版面配置區 3"/>
+          <p:cNvPicPr>
+            <a:picLocks noGrp="1" noChangeAspect="1"/>
+          </p:cNvPicPr>
+          <p:nvPr>
+            <p:ph idx="1"/>
+          </p:nvPr>
+        </p:nvPicPr>
+        <p:blipFill>
+          <a:blip r:embed="rId2">
+            <a:extLst>
+              <a:ext uri="{28A0092B-C50C-407E-A947-70E740481C1C}">
+                <a14:useLocalDpi xmlns:a14="http://schemas.microsoft.com/office/drawing/2010/main" val="0"/>
+              </a:ext>
+            </a:extLst>
+          </a:blip>
+          <a:stretch>
+            <a:fillRect/>
+          </a:stretch>
+        </p:blipFill>
+        <p:spPr>
+          <a:xfrm>
+            <a:off x="1624221" y="985684"/>
+            <a:ext cx="10079222" cy="5031658"/>
+          </a:xfrm>
+        </p:spPr>
+      </p:pic>
+    </p:spTree>
+    <p:extLst>
+      <p:ext uri="{BB962C8B-B14F-4D97-AF65-F5344CB8AC3E}">
+        <p14:creationId xmlns:p14="http://schemas.microsoft.com/office/powerpoint/2010/main" val="3153348166"/>
+      </p:ext>
+    </p:extLst>
+  </p:cSld>
+  <p:clrMapOvr>
+    <a:masterClrMapping/>
+  </p:clrMapOvr>
+</p:sld>
+</file>
+
+<file path=ppt/slides/slide15.xml><?xml version="1.0" encoding="utf-8"?>
+<p:sld xmlns:a="http://schemas.openxmlformats.org/drawingml/2006/main" xmlns:r="http://schemas.openxmlformats.org/officeDocument/2006/relationships" xmlns:p="http://schemas.openxmlformats.org/presentationml/2006/main">
+  <p:cSld>
+    <p:spTree>
+      <p:nvGrpSpPr>
+        <p:cNvPr id="1" name=""/>
+        <p:cNvGrpSpPr/>
+        <p:nvPr/>
+      </p:nvGrpSpPr>
+      <p:grpSpPr>
+        <a:xfrm>
+          <a:off x="0" y="0"/>
+          <a:ext cx="0" cy="0"/>
+          <a:chOff x="0" y="0"/>
+          <a:chExt cx="0" cy="0"/>
+        </a:xfrm>
+      </p:grpSpPr>
+      <p:sp>
+        <p:nvSpPr>
+          <p:cNvPr id="2" name="標題 1"/>
+          <p:cNvSpPr>
+            <a:spLocks noGrp="1"/>
+          </p:cNvSpPr>
+          <p:nvPr>
+            <p:ph type="title"/>
+          </p:nvPr>
+        </p:nvSpPr>
+        <p:spPr/>
+        <p:txBody>
+          <a:bodyPr/>
+          <a:lstStyle/>
+          <a:p>
+            <a:endParaRPr lang="zh-TW" altLang="en-US"/>
+          </a:p>
+        </p:txBody>
+      </p:sp>
+      <p:pic>
+        <p:nvPicPr>
+          <p:cNvPr id="4" name="內容版面配置區 3"/>
+          <p:cNvPicPr>
+            <a:picLocks noGrp="1" noChangeAspect="1"/>
+          </p:cNvPicPr>
+          <p:nvPr>
+            <p:ph idx="1"/>
+          </p:nvPr>
+        </p:nvPicPr>
+        <p:blipFill>
+          <a:blip r:embed="rId2">
+            <a:extLst>
+              <a:ext uri="{28A0092B-C50C-407E-A947-70E740481C1C}">
+                <a14:useLocalDpi xmlns:a14="http://schemas.microsoft.com/office/drawing/2010/main" val="0"/>
+              </a:ext>
+            </a:extLst>
+          </a:blip>
+          <a:stretch>
+            <a:fillRect/>
+          </a:stretch>
+        </p:blipFill>
+        <p:spPr>
+          <a:xfrm>
+            <a:off x="1730117" y="1104900"/>
+            <a:ext cx="9862116" cy="4928462"/>
+          </a:xfrm>
+        </p:spPr>
+      </p:pic>
+    </p:spTree>
+    <p:extLst>
+      <p:ext uri="{BB962C8B-B14F-4D97-AF65-F5344CB8AC3E}">
+        <p14:creationId xmlns:p14="http://schemas.microsoft.com/office/powerpoint/2010/main" val="580123303"/>
+      </p:ext>
+    </p:extLst>
+  </p:cSld>
+  <p:clrMapOvr>
+    <a:masterClrMapping/>
+  </p:clrMapOvr>
+</p:sld>
+</file>
+
+<file path=ppt/slides/slide16.xml><?xml version="1.0" encoding="utf-8"?>
+<p:sld xmlns:a="http://schemas.openxmlformats.org/drawingml/2006/main" xmlns:r="http://schemas.openxmlformats.org/officeDocument/2006/relationships" xmlns:p="http://schemas.openxmlformats.org/presentationml/2006/main">
+  <p:cSld>
+    <p:spTree>
+      <p:nvGrpSpPr>
+        <p:cNvPr id="1" name=""/>
+        <p:cNvGrpSpPr/>
+        <p:nvPr/>
+      </p:nvGrpSpPr>
+      <p:grpSpPr>
+        <a:xfrm>
+          <a:off x="0" y="0"/>
+          <a:ext cx="0" cy="0"/>
+          <a:chOff x="0" y="0"/>
+          <a:chExt cx="0" cy="0"/>
+        </a:xfrm>
+      </p:grpSpPr>
+      <p:sp>
+        <p:nvSpPr>
+          <p:cNvPr id="2" name="標題 1">
+            <a:extLst>
+              <a:ext uri="{FF2B5EF4-FFF2-40B4-BE49-F238E27FC236}">
+                <a16:creationId xmlns:a16="http://schemas.microsoft.com/office/drawing/2014/main" id="{52DE735E-EB4B-F444-93A9-7085C06D2D4B}"/>
+              </a:ext>
+            </a:extLst>
+          </p:cNvPr>
+          <p:cNvSpPr>
+            <a:spLocks noGrp="1"/>
+          </p:cNvSpPr>
+          <p:nvPr>
+            <p:ph type="title"/>
+          </p:nvPr>
+        </p:nvSpPr>
+        <p:spPr>
+          <a:xfrm>
+            <a:off x="1379205" y="507124"/>
+            <a:ext cx="10018713" cy="1752599"/>
+          </a:xfrm>
+        </p:spPr>
+        <p:txBody>
+          <a:bodyPr>
+            <a:normAutofit/>
+          </a:bodyPr>
+          <a:lstStyle/>
+          <a:p>
+            <a:r>
+              <a:rPr kumimoji="1" lang="zh-TW" altLang="en-US" sz="4800" dirty="0"/>
+              <a:t>評估</a:t>
+            </a:r>
+          </a:p>
+        </p:txBody>
+      </p:sp>
+      <p:sp>
+        <p:nvSpPr>
+          <p:cNvPr id="3" name="內容版面配置區 2">
+            <a:extLst>
+              <a:ext uri="{FF2B5EF4-FFF2-40B4-BE49-F238E27FC236}">
+                <a16:creationId xmlns:a16="http://schemas.microsoft.com/office/drawing/2014/main" id="{BA975A0E-79ED-9143-82AF-F4749B981ADB}"/>
+              </a:ext>
+            </a:extLst>
+          </p:cNvPr>
+          <p:cNvSpPr>
+            <a:spLocks noGrp="1"/>
+          </p:cNvSpPr>
+          <p:nvPr>
+            <p:ph idx="1"/>
+          </p:nvPr>
+        </p:nvSpPr>
+        <p:spPr>
+          <a:xfrm>
+            <a:off x="1379204" y="1891861"/>
+            <a:ext cx="10018713" cy="3124201"/>
+          </a:xfrm>
+        </p:spPr>
+        <p:txBody>
+          <a:bodyPr>
+            <a:normAutofit/>
+          </a:bodyPr>
+          <a:lstStyle/>
+          <a:p>
+            <a:r>
+              <a:rPr kumimoji="1" lang="en-US" altLang="zh-TW" sz="2800" dirty="0" smtClean="0">
+                <a:latin typeface="標楷體" panose="03000509000000000000" pitchFamily="65" charset="-120"/>
+                <a:ea typeface="標楷體" panose="03000509000000000000" pitchFamily="65" charset="-120"/>
+                <a:cs typeface="Arial" panose="020B0604020202020204" pitchFamily="34" charset="0"/>
+              </a:rPr>
+              <a:t>75%</a:t>
+            </a:r>
+            <a:endParaRPr kumimoji="1" lang="en-US" altLang="zh-Hant" sz="2800" dirty="0" smtClean="0">
+              <a:latin typeface="標楷體" panose="03000509000000000000" pitchFamily="65" charset="-120"/>
+              <a:ea typeface="標楷體" panose="03000509000000000000" pitchFamily="65" charset="-120"/>
+              <a:cs typeface="Arial" panose="020B0604020202020204" pitchFamily="34" charset="0"/>
+            </a:endParaRPr>
+          </a:p>
+          <a:p>
+            <a:r>
+              <a:rPr lang="en-US" altLang="zh-TW" sz="2800" dirty="0">
+                <a:latin typeface="標楷體" panose="03000509000000000000" pitchFamily="65" charset="-120"/>
+                <a:ea typeface="標楷體" panose="03000509000000000000" pitchFamily="65" charset="-120"/>
+              </a:rPr>
+              <a:t>Implement vector space </a:t>
+            </a:r>
+            <a:r>
+              <a:rPr lang="en-US" altLang="zh-TW" sz="2800" dirty="0" smtClean="0">
+                <a:latin typeface="標楷體" panose="03000509000000000000" pitchFamily="65" charset="-120"/>
+                <a:ea typeface="標楷體" panose="03000509000000000000" pitchFamily="65" charset="-120"/>
+              </a:rPr>
+              <a:t>model</a:t>
+            </a:r>
+          </a:p>
+          <a:p>
+            <a:r>
+              <a:rPr lang="zh-TW" altLang="en-US" sz="2800" dirty="0" smtClean="0">
+                <a:latin typeface="標楷體" panose="03000509000000000000" pitchFamily="65" charset="-120"/>
+                <a:ea typeface="標楷體" panose="03000509000000000000" pitchFamily="65" charset="-120"/>
+              </a:rPr>
+              <a:t>選課後衝堂去除</a:t>
+            </a:r>
+            <a:endParaRPr lang="en-US" altLang="zh-TW" sz="2800" dirty="0" smtClean="0">
+              <a:latin typeface="標楷體" panose="03000509000000000000" pitchFamily="65" charset="-120"/>
+              <a:ea typeface="標楷體" panose="03000509000000000000" pitchFamily="65" charset="-120"/>
+            </a:endParaRPr>
+          </a:p>
+          <a:p>
+            <a:r>
+              <a:rPr lang="zh-TW" altLang="en-US" sz="2800" dirty="0" smtClean="0">
+                <a:latin typeface="標楷體" panose="03000509000000000000" pitchFamily="65" charset="-120"/>
+                <a:ea typeface="標楷體" panose="03000509000000000000" pitchFamily="65" charset="-120"/>
+              </a:rPr>
+              <a:t>資料庫差異</a:t>
+            </a:r>
+            <a:endParaRPr lang="zh-TW" altLang="en-US" sz="2800" dirty="0">
+              <a:latin typeface="標楷體" panose="03000509000000000000" pitchFamily="65" charset="-120"/>
+              <a:ea typeface="標楷體" panose="03000509000000000000" pitchFamily="65" charset="-120"/>
+            </a:endParaRPr>
+          </a:p>
+        </p:txBody>
+      </p:sp>
+    </p:spTree>
+    <p:extLst>
+      <p:ext uri="{BB962C8B-B14F-4D97-AF65-F5344CB8AC3E}">
+        <p14:creationId xmlns:p14="http://schemas.microsoft.com/office/powerpoint/2010/main" val="2623002094"/>
+      </p:ext>
+    </p:extLst>
+  </p:cSld>
+  <p:clrMapOvr>
+    <a:masterClrMapping/>
+  </p:clrMapOvr>
+</p:sld>
+</file>
+
+<file path=ppt/slides/slide17.xml><?xml version="1.0" encoding="utf-8"?>
+<p:sld xmlns:a="http://schemas.openxmlformats.org/drawingml/2006/main" xmlns:r="http://schemas.openxmlformats.org/officeDocument/2006/relationships" xmlns:p="http://schemas.openxmlformats.org/presentationml/2006/main">
+  <p:cSld>
+    <p:spTree>
+      <p:nvGrpSpPr>
+        <p:cNvPr id="1" name=""/>
+        <p:cNvGrpSpPr/>
+        <p:nvPr/>
+      </p:nvGrpSpPr>
+      <p:grpSpPr>
+        <a:xfrm>
+          <a:off x="0" y="0"/>
+          <a:ext cx="0" cy="0"/>
+          <a:chOff x="0" y="0"/>
+          <a:chExt cx="0" cy="0"/>
+        </a:xfrm>
+      </p:grpSpPr>
+      <p:sp>
+        <p:nvSpPr>
+          <p:cNvPr id="2" name="標題 1"/>
+          <p:cNvSpPr>
+            <a:spLocks noGrp="1"/>
+          </p:cNvSpPr>
+          <p:nvPr>
+            <p:ph type="title"/>
+          </p:nvPr>
+        </p:nvSpPr>
+        <p:spPr/>
+        <p:txBody>
+          <a:bodyPr/>
+          <a:lstStyle/>
+          <a:p>
+            <a:endParaRPr lang="zh-TW" altLang="en-US"/>
+          </a:p>
+        </p:txBody>
+      </p:sp>
+      <p:pic>
+        <p:nvPicPr>
+          <p:cNvPr id="4" name="內容版面配置區 3"/>
+          <p:cNvPicPr>
+            <a:picLocks noGrp="1" noChangeAspect="1"/>
+          </p:cNvPicPr>
+          <p:nvPr>
+            <p:ph idx="1"/>
+          </p:nvPr>
+        </p:nvPicPr>
+        <p:blipFill>
+          <a:blip r:embed="rId2">
+            <a:extLst>
+              <a:ext uri="{28A0092B-C50C-407E-A947-70E740481C1C}">
+                <a14:useLocalDpi xmlns:a14="http://schemas.microsoft.com/office/drawing/2010/main" val="0"/>
+              </a:ext>
+            </a:extLst>
+          </a:blip>
+          <a:stretch>
+            <a:fillRect/>
+          </a:stretch>
+        </p:blipFill>
+        <p:spPr>
+          <a:xfrm>
+            <a:off x="1570167" y="854177"/>
+            <a:ext cx="10345996" cy="5172998"/>
+          </a:xfrm>
+        </p:spPr>
+      </p:pic>
+    </p:spTree>
+    <p:extLst>
+      <p:ext uri="{BB962C8B-B14F-4D97-AF65-F5344CB8AC3E}">
+        <p14:creationId xmlns:p14="http://schemas.microsoft.com/office/powerpoint/2010/main" val="838022917"/>
+      </p:ext>
+    </p:extLst>
+  </p:cSld>
+  <p:clrMapOvr>
+    <a:masterClrMapping/>
+  </p:clrMapOvr>
+</p:sld>
+</file>
+
+<file path=ppt/slides/slide18.xml><?xml version="1.0" encoding="utf-8"?>
+<p:sld xmlns:a="http://schemas.openxmlformats.org/drawingml/2006/main" xmlns:r="http://schemas.openxmlformats.org/officeDocument/2006/relationships" xmlns:p="http://schemas.openxmlformats.org/presentationml/2006/main">
+  <p:cSld>
+    <p:spTree>
+      <p:nvGrpSpPr>
+        <p:cNvPr id="1" name=""/>
+        <p:cNvGrpSpPr/>
+        <p:nvPr/>
+      </p:nvGrpSpPr>
+      <p:grpSpPr>
+        <a:xfrm>
+          <a:off x="0" y="0"/>
+          <a:ext cx="0" cy="0"/>
+          <a:chOff x="0" y="0"/>
+          <a:chExt cx="0" cy="0"/>
+        </a:xfrm>
+      </p:grpSpPr>
+      <p:sp>
+        <p:nvSpPr>
+          <p:cNvPr id="4" name="標題 3"/>
+          <p:cNvSpPr>
+            <a:spLocks noGrp="1"/>
+          </p:cNvSpPr>
+          <p:nvPr>
+            <p:ph type="title"/>
+          </p:nvPr>
+        </p:nvSpPr>
+        <p:spPr>
+          <a:xfrm>
+            <a:off x="1063898" y="2714296"/>
+            <a:ext cx="10018713" cy="1752599"/>
+          </a:xfrm>
+        </p:spPr>
+        <p:txBody>
+          <a:bodyPr/>
+          <a:lstStyle/>
+          <a:p>
+            <a:r>
+              <a:rPr lang="en-US" altLang="zh-TW" dirty="0" smtClean="0"/>
+              <a:t>Thanks for listening!</a:t>
+            </a:r>
+            <a:endParaRPr lang="zh-TW" altLang="en-US" dirty="0"/>
+          </a:p>
+        </p:txBody>
+      </p:sp>
+    </p:spTree>
+    <p:extLst>
+      <p:ext uri="{BB962C8B-B14F-4D97-AF65-F5344CB8AC3E}">
+        <p14:creationId xmlns:p14="http://schemas.microsoft.com/office/powerpoint/2010/main" val="625554552"/>
+      </p:ext>
+    </p:extLst>
+  </p:cSld>
+  <p:clrMapOvr>
+    <a:masterClrMapping/>
+  </p:clrMapOvr>
+</p:sld>
+</file>
+
+<file path=ppt/slides/slide19.xml><?xml version="1.0" encoding="utf-8"?>
+<p:sld xmlns:a="http://schemas.openxmlformats.org/drawingml/2006/main" xmlns:r="http://schemas.openxmlformats.org/officeDocument/2006/relationships" xmlns:p="http://schemas.openxmlformats.org/presentationml/2006/main">
+  <p:cSld>
+    <p:spTree>
+      <p:nvGrpSpPr>
+        <p:cNvPr id="1" name=""/>
+        <p:cNvGrpSpPr/>
+        <p:nvPr/>
+      </p:nvGrpSpPr>
+      <p:grpSpPr>
+        <a:xfrm>
+          <a:off x="0" y="0"/>
+          <a:ext cx="0" cy="0"/>
+          <a:chOff x="0" y="0"/>
+          <a:chExt cx="0" cy="0"/>
+        </a:xfrm>
+      </p:grpSpPr>
+      <p:sp>
+        <p:nvSpPr>
+          <p:cNvPr id="2" name="標題 1">
+            <a:extLst>
+              <a:ext uri="{FF2B5EF4-FFF2-40B4-BE49-F238E27FC236}">
+                <a16:creationId xmlns:a16="http://schemas.microsoft.com/office/drawing/2014/main" id="{52DE735E-EB4B-F444-93A9-7085C06D2D4B}"/>
+              </a:ext>
+            </a:extLst>
+          </p:cNvPr>
+          <p:cNvSpPr>
+            <a:spLocks noGrp="1"/>
+          </p:cNvSpPr>
+          <p:nvPr>
+            <p:ph type="title"/>
+          </p:nvPr>
+        </p:nvSpPr>
+        <p:spPr>
+          <a:xfrm>
+            <a:off x="1379205" y="507124"/>
+            <a:ext cx="10018713" cy="1752599"/>
+          </a:xfrm>
+        </p:spPr>
+        <p:txBody>
+          <a:bodyPr>
+            <a:normAutofit/>
+          </a:bodyPr>
+          <a:lstStyle/>
+          <a:p>
+            <a:r>
+              <a:rPr kumimoji="1" lang="zh-TW" altLang="en-US" sz="4800" dirty="0"/>
+              <a:t>評估</a:t>
+            </a:r>
+          </a:p>
+        </p:txBody>
+      </p:sp>
+      <p:sp>
+        <p:nvSpPr>
+          <p:cNvPr id="3" name="內容版面配置區 2">
+            <a:extLst>
+              <a:ext uri="{FF2B5EF4-FFF2-40B4-BE49-F238E27FC236}">
+                <a16:creationId xmlns:a16="http://schemas.microsoft.com/office/drawing/2014/main" id="{BA975A0E-79ED-9143-82AF-F4749B981ADB}"/>
+              </a:ext>
+            </a:extLst>
+          </p:cNvPr>
+          <p:cNvSpPr>
+            <a:spLocks noGrp="1"/>
+          </p:cNvSpPr>
+          <p:nvPr>
+            <p:ph idx="1"/>
+          </p:nvPr>
+        </p:nvSpPr>
+        <p:spPr>
+          <a:xfrm>
+            <a:off x="1379204" y="1891861"/>
+            <a:ext cx="10018713" cy="3124201"/>
+          </a:xfrm>
+        </p:spPr>
+        <p:txBody>
+          <a:bodyPr>
+            <a:normAutofit/>
+          </a:bodyPr>
+          <a:lstStyle/>
+          <a:p>
+            <a:r>
+              <a:rPr kumimoji="1" lang="zh-Hant" altLang="en-US" sz="2800" dirty="0">
+                <a:latin typeface="標楷體" panose="03000509000000000000" pitchFamily="65" charset="-120"/>
+                <a:ea typeface="標楷體" panose="03000509000000000000" pitchFamily="65" charset="-120"/>
+                <a:cs typeface="Arial" panose="020B0604020202020204" pitchFamily="34" charset="0"/>
+              </a:rPr>
+              <a:t>實際採用的資源以及進度估計</a:t>
+            </a:r>
+            <a:endParaRPr kumimoji="1" lang="en-US" altLang="zh-Hant" sz="2800" dirty="0">
+              <a:latin typeface="標楷體" panose="03000509000000000000" pitchFamily="65" charset="-120"/>
+              <a:ea typeface="標楷體" panose="03000509000000000000" pitchFamily="65" charset="-120"/>
+              <a:cs typeface="Arial" panose="020B0604020202020204" pitchFamily="34" charset="0"/>
+            </a:endParaRPr>
+          </a:p>
+          <a:p>
+            <a:r>
+              <a:rPr kumimoji="1" lang="zh-TW" altLang="en-US" sz="2800" dirty="0">
+                <a:latin typeface="標楷體" panose="03000509000000000000" pitchFamily="65" charset="-120"/>
+                <a:ea typeface="標楷體" panose="03000509000000000000" pitchFamily="65" charset="-120"/>
+                <a:cs typeface="Arial" panose="020B0604020202020204" pitchFamily="34" charset="0"/>
+              </a:rPr>
+              <a:t>完成度</a:t>
+            </a:r>
+            <a:r>
+              <a:rPr kumimoji="1" lang="en-US" altLang="zh-TW" sz="2800" dirty="0">
+                <a:latin typeface="標楷體" panose="03000509000000000000" pitchFamily="65" charset="-120"/>
+                <a:ea typeface="標楷體" panose="03000509000000000000" pitchFamily="65" charset="-120"/>
+                <a:cs typeface="Arial" panose="020B0604020202020204" pitchFamily="34" charset="0"/>
+              </a:rPr>
+              <a:t>(</a:t>
+            </a:r>
+            <a:r>
+              <a:rPr kumimoji="1" lang="zh-TW" altLang="en-US" sz="2800" dirty="0">
+                <a:latin typeface="標楷體" panose="03000509000000000000" pitchFamily="65" charset="-120"/>
+                <a:ea typeface="標楷體" panose="03000509000000000000" pitchFamily="65" charset="-120"/>
+                <a:cs typeface="Arial" panose="020B0604020202020204" pitchFamily="34" charset="0"/>
+              </a:rPr>
+              <a:t>多做或不足</a:t>
+            </a:r>
+            <a:r>
+              <a:rPr kumimoji="1" lang="en-US" altLang="zh-TW" sz="2800" dirty="0">
+                <a:latin typeface="標楷體" panose="03000509000000000000" pitchFamily="65" charset="-120"/>
+                <a:ea typeface="標楷體" panose="03000509000000000000" pitchFamily="65" charset="-120"/>
+                <a:cs typeface="Arial" panose="020B0604020202020204" pitchFamily="34" charset="0"/>
+              </a:rPr>
+              <a:t>)</a:t>
+            </a:r>
+          </a:p>
+          <a:p>
+            <a:r>
+              <a:rPr kumimoji="1" lang="zh-TW" altLang="en-US" sz="2800" dirty="0">
+                <a:latin typeface="標楷體" panose="03000509000000000000" pitchFamily="65" charset="-120"/>
+                <a:ea typeface="標楷體" panose="03000509000000000000" pitchFamily="65" charset="-120"/>
+                <a:cs typeface="Arial" panose="020B0604020202020204" pitchFamily="34" charset="0"/>
+              </a:rPr>
+              <a:t>未完善的部份有那些，原因為何</a:t>
+            </a:r>
+            <a:r>
+              <a:rPr kumimoji="1" lang="en-US" altLang="zh-TW" sz="2800" dirty="0">
+                <a:latin typeface="標楷體" panose="03000509000000000000" pitchFamily="65" charset="-120"/>
+                <a:ea typeface="標楷體" panose="03000509000000000000" pitchFamily="65" charset="-120"/>
+                <a:cs typeface="Arial" panose="020B0604020202020204" pitchFamily="34" charset="0"/>
+              </a:rPr>
+              <a:t>?</a:t>
+            </a:r>
+            <a:endParaRPr kumimoji="1" lang="zh-TW" altLang="en-US" sz="2800" dirty="0">
+              <a:latin typeface="標楷體" panose="03000509000000000000" pitchFamily="65" charset="-120"/>
+              <a:ea typeface="標楷體" panose="03000509000000000000" pitchFamily="65" charset="-120"/>
+              <a:cs typeface="Arial" panose="020B0604020202020204" pitchFamily="34" charset="0"/>
+            </a:endParaRPr>
+          </a:p>
+        </p:txBody>
+      </p:sp>
+    </p:spTree>
+    <p:extLst>
+      <p:ext uri="{BB962C8B-B14F-4D97-AF65-F5344CB8AC3E}">
+        <p14:creationId xmlns:p14="http://schemas.microsoft.com/office/powerpoint/2010/main" val="3254092091"/>
+      </p:ext>
+    </p:extLst>
+  </p:cSld>
+  <p:clrMapOvr>
+    <a:masterClrMapping/>
+  </p:clrMapOvr>
 </p:sld>
 </file>
 
@@ -8207,6 +8936,139 @@
     <p:extLst>
       <p:ext uri="{BB962C8B-B14F-4D97-AF65-F5344CB8AC3E}">
         <p14:creationId xmlns:p14="http://schemas.microsoft.com/office/powerpoint/2010/main" val="109970284"/>
+      </p:ext>
+    </p:extLst>
+  </p:cSld>
+  <p:clrMapOvr>
+    <a:masterClrMapping/>
+  </p:clrMapOvr>
+  <p:timing>
+    <p:tnLst>
+      <p:par>
+        <p:cTn id="1" dur="indefinite" restart="never" nodeType="tmRoot"/>
+      </p:par>
+    </p:tnLst>
+  </p:timing>
+</p:sld>
+</file>
+
+<file path=ppt/slides/slide20.xml><?xml version="1.0" encoding="utf-8"?>
+<p:sld xmlns:a="http://schemas.openxmlformats.org/drawingml/2006/main" xmlns:r="http://schemas.openxmlformats.org/officeDocument/2006/relationships" xmlns:p="http://schemas.openxmlformats.org/presentationml/2006/main">
+  <p:cSld>
+    <p:spTree>
+      <p:nvGrpSpPr>
+        <p:cNvPr id="1" name=""/>
+        <p:cNvGrpSpPr/>
+        <p:nvPr/>
+      </p:nvGrpSpPr>
+      <p:grpSpPr>
+        <a:xfrm>
+          <a:off x="0" y="0"/>
+          <a:ext cx="0" cy="0"/>
+          <a:chOff x="0" y="0"/>
+          <a:chExt cx="0" cy="0"/>
+        </a:xfrm>
+      </p:grpSpPr>
+      <p:sp>
+        <p:nvSpPr>
+          <p:cNvPr id="2" name="標題 1"/>
+          <p:cNvSpPr>
+            <a:spLocks noGrp="1"/>
+          </p:cNvSpPr>
+          <p:nvPr>
+            <p:ph type="title"/>
+          </p:nvPr>
+        </p:nvSpPr>
+        <p:spPr/>
+        <p:txBody>
+          <a:bodyPr/>
+          <a:lstStyle/>
+          <a:p>
+            <a:r>
+              <a:rPr lang="zh-TW" altLang="en-US" dirty="0"/>
+              <a:t>應繳交文件</a:t>
+            </a:r>
+          </a:p>
+        </p:txBody>
+      </p:sp>
+      <p:sp>
+        <p:nvSpPr>
+          <p:cNvPr id="3" name="內容版面配置區 2"/>
+          <p:cNvSpPr>
+            <a:spLocks noGrp="1"/>
+          </p:cNvSpPr>
+          <p:nvPr>
+            <p:ph idx="1"/>
+          </p:nvPr>
+        </p:nvSpPr>
+        <p:spPr/>
+        <p:txBody>
+          <a:bodyPr/>
+          <a:lstStyle/>
+          <a:p>
+            <a:r>
+              <a:rPr lang="zh-TW" altLang="en-US" dirty="0"/>
+              <a:t>下列文件請以組為單位，連同投影片一同上傳</a:t>
+            </a:r>
+            <a:endParaRPr lang="en-US" altLang="zh-TW" dirty="0"/>
+          </a:p>
+          <a:p>
+            <a:pPr lvl="1"/>
+            <a:r>
+              <a:rPr lang="zh-TW" altLang="en-US" dirty="0"/>
+              <a:t>架構設計</a:t>
+            </a:r>
+            <a:r>
+              <a:rPr lang="en-US" altLang="zh-TW" dirty="0"/>
+              <a:t>: </a:t>
+            </a:r>
+            <a:r>
+              <a:rPr lang="zh-TW" altLang="en-US" dirty="0"/>
+              <a:t>元件圖、佈署圖、類別圖</a:t>
+            </a:r>
+          </a:p>
+          <a:p>
+            <a:pPr lvl="1"/>
+            <a:r>
+              <a:rPr lang="zh-TW" altLang="en-US" dirty="0"/>
+              <a:t>架構設計的說明 </a:t>
+            </a:r>
+          </a:p>
+          <a:p>
+            <a:pPr lvl="1"/>
+            <a:r>
+              <a:rPr lang="zh-TW" altLang="en-US" dirty="0"/>
+              <a:t>程式畫面截圖</a:t>
+            </a:r>
+          </a:p>
+          <a:p>
+            <a:pPr lvl="1"/>
+            <a:r>
+              <a:rPr lang="zh-TW" altLang="en-US" dirty="0"/>
+              <a:t>團隊分工說明</a:t>
+            </a:r>
+          </a:p>
+          <a:p>
+            <a:pPr lvl="1"/>
+            <a:r>
+              <a:rPr lang="zh-TW" altLang="en-US" dirty="0"/>
+              <a:t>最後成果</a:t>
+            </a:r>
+            <a:r>
+              <a:rPr lang="en-US" altLang="zh-TW" dirty="0" err="1"/>
+              <a:t>Github</a:t>
+            </a:r>
+            <a:r>
+              <a:rPr lang="zh-TW" altLang="en-US" dirty="0"/>
+              <a:t>網址</a:t>
+            </a:r>
+          </a:p>
+        </p:txBody>
+      </p:sp>
+    </p:spTree>
+    <p:extLst>
+      <p:ext uri="{BB962C8B-B14F-4D97-AF65-F5344CB8AC3E}">
+        <p14:creationId xmlns:p14="http://schemas.microsoft.com/office/powerpoint/2010/main" val="3423192343"/>
       </p:ext>
     </p:extLst>
   </p:cSld>
@@ -8258,7 +9120,7 @@
         </p:nvSpPr>
         <p:spPr>
           <a:xfrm>
-            <a:off x="738076" y="465083"/>
+            <a:off x="1190360" y="465083"/>
             <a:ext cx="10018713" cy="1752599"/>
           </a:xfrm>
         </p:spPr>
@@ -8383,7 +9245,7 @@
         </p:nvSpPr>
         <p:spPr>
           <a:xfrm>
-            <a:off x="1399733" y="429191"/>
+            <a:off x="1714366" y="494588"/>
             <a:ext cx="8911687" cy="1280890"/>
           </a:xfrm>
         </p:spPr>
@@ -8705,7 +9567,7 @@
         </p:nvSpPr>
         <p:spPr>
           <a:xfrm>
-            <a:off x="1096634" y="550219"/>
+            <a:off x="1544230" y="550219"/>
             <a:ext cx="8911687" cy="1280890"/>
           </a:xfrm>
         </p:spPr>
@@ -8862,7 +9724,7 @@
         </p:nvSpPr>
         <p:spPr>
           <a:xfrm>
-            <a:off x="1284614" y="528145"/>
+            <a:off x="1038808" y="351165"/>
             <a:ext cx="10018713" cy="1752599"/>
           </a:xfrm>
         </p:spPr>
@@ -9009,30 +9871,32 @@
           </a:xfrm>
         </p:spPr>
         <p:txBody>
-          <a:bodyPr/>
+          <a:bodyPr>
+            <a:normAutofit/>
+          </a:bodyPr>
           <a:lstStyle/>
           <a:p>
             <a:r>
-              <a:rPr kumimoji="1" lang="zh-Hant" altLang="en-US" dirty="0"/>
+              <a:rPr kumimoji="1" lang="zh-Hant" altLang="en-US" sz="4800" dirty="0"/>
               <a:t>系統架構</a:t>
             </a:r>
             <a:r>
-              <a:rPr kumimoji="1" lang="zh-TW" altLang="en-US" dirty="0"/>
+              <a:rPr kumimoji="1" lang="zh-TW" altLang="en-US" sz="4800" dirty="0"/>
               <a:t>、設計</a:t>
             </a:r>
             <a:r>
-              <a:rPr kumimoji="1" lang="zh-Hant" altLang="en-US" dirty="0"/>
+              <a:rPr kumimoji="1" lang="zh-Hant" altLang="en-US" sz="4800" dirty="0"/>
               <a:t>圖</a:t>
             </a:r>
             <a:r>
-              <a:rPr kumimoji="1" lang="zh-TW" altLang="en-US" dirty="0"/>
+              <a:rPr kumimoji="1" lang="zh-TW" altLang="en-US" sz="4800" dirty="0"/>
               <a:t>示</a:t>
             </a:r>
             <a:r>
-              <a:rPr kumimoji="1" lang="zh-Hant" altLang="en-US" dirty="0"/>
+              <a:rPr kumimoji="1" lang="zh-Hant" altLang="en-US" sz="4800" dirty="0"/>
               <a:t>以及流程</a:t>
             </a:r>
-            <a:endParaRPr kumimoji="1" lang="zh-TW" altLang="en-US" dirty="0"/>
+            <a:endParaRPr kumimoji="1" lang="zh-TW" altLang="en-US" sz="4800" dirty="0"/>
           </a:p>
         </p:txBody>
       </p:sp>
@@ -9101,6 +9965,13 @@
   <p:clrMapOvr>
     <a:masterClrMapping/>
   </p:clrMapOvr>
+  <p:timing>
+    <p:tnLst>
+      <p:par>
+        <p:cTn id="1" dur="indefinite" restart="never" nodeType="tmRoot"/>
+      </p:par>
+    </p:tnLst>
+  </p:timing>
 </p:sld>
 </file>
 
@@ -9138,11 +10009,13 @@
           </a:xfrm>
         </p:spPr>
         <p:txBody>
-          <a:bodyPr/>
+          <a:bodyPr>
+            <a:normAutofit/>
+          </a:bodyPr>
           <a:lstStyle/>
           <a:p>
             <a:r>
-              <a:rPr lang="zh-TW" altLang="en-US" dirty="0"/>
+              <a:rPr kumimoji="1" lang="zh-TW" altLang="en-US" sz="4800" dirty="0"/>
               <a:t>軟體測試規劃</a:t>
             </a:r>
           </a:p>
@@ -9187,6 +10060,13 @@
   <p:clrMapOvr>
     <a:masterClrMapping/>
   </p:clrMapOvr>
+  <p:timing>
+    <p:tnLst>
+      <p:par>
+        <p:cTn id="1" dur="indefinite" restart="never" nodeType="tmRoot"/>
+      </p:par>
+    </p:tnLst>
+  </p:timing>
 </p:sld>
 </file>
 
@@ -9237,13 +10117,8 @@
           <a:p>
             <a:r>
               <a:rPr kumimoji="1" lang="zh-TW" altLang="en-US" sz="4800" dirty="0"/>
-              <a:t>展示</a:t>
-            </a:r>
-            <a:r>
-              <a:rPr kumimoji="1" lang="zh-TW" altLang="en-US" sz="4800" dirty="0" smtClean="0"/>
-              <a:t>說明（流程）</a:t>
-            </a:r>
-            <a:endParaRPr kumimoji="1" lang="zh-TW" altLang="en-US" sz="4800" dirty="0"/>
+              <a:t>展示說明（流程）</a:t>
+            </a:r>
           </a:p>
         </p:txBody>
       </p:sp>
@@ -9470,7 +10345,7 @@
         </p:nvSpPr>
         <p:spPr>
           <a:xfrm>
-            <a:off x="1491308" y="4493383"/>
+            <a:off x="3182025" y="4535589"/>
             <a:ext cx="1722881" cy="461665"/>
           </a:xfrm>
           <a:prstGeom prst="rect">
@@ -9552,7 +10427,7 @@
         </p:nvSpPr>
         <p:spPr>
           <a:xfrm>
-            <a:off x="3495599" y="4493383"/>
+            <a:off x="5186316" y="4535589"/>
             <a:ext cx="757382" cy="396980"/>
           </a:xfrm>
           <a:prstGeom prst="rightArrow">
@@ -9584,96 +10459,13 @@
       </p:sp>
       <p:sp>
         <p:nvSpPr>
-          <p:cNvPr id="21" name="文字方塊 20"/>
-          <p:cNvSpPr txBox="1"/>
-          <p:nvPr/>
-        </p:nvSpPr>
-        <p:spPr>
-          <a:xfrm>
-            <a:off x="4468841" y="4493367"/>
-            <a:ext cx="3279508" cy="461665"/>
-          </a:xfrm>
-          <a:prstGeom prst="rect">
-            <a:avLst/>
-          </a:prstGeom>
-        </p:spPr>
-        <p:style>
-          <a:lnRef idx="2">
-            <a:schemeClr val="accent6">
-              <a:shade val="50000"/>
-            </a:schemeClr>
-          </a:lnRef>
-          <a:fillRef idx="1">
-            <a:schemeClr val="accent6"/>
-          </a:fillRef>
-          <a:effectRef idx="0">
-            <a:schemeClr val="accent6"/>
-          </a:effectRef>
-          <a:fontRef idx="minor">
-            <a:schemeClr val="lt1"/>
-          </a:fontRef>
-        </p:style>
-        <p:txBody>
-          <a:bodyPr wrap="square" rtlCol="0">
-            <a:spAutoFit/>
-          </a:bodyPr>
-          <a:lstStyle/>
-          <a:p>
-            <a:r>
-              <a:rPr lang="zh-TW" altLang="en-US" sz="2400" b="1" dirty="0" smtClean="0"/>
-              <a:t>使用者將衝堂課程去除</a:t>
-            </a:r>
-            <a:endParaRPr lang="zh-TW" altLang="en-US" sz="2400" b="1" dirty="0"/>
-          </a:p>
-        </p:txBody>
-      </p:sp>
-      <p:sp>
-        <p:nvSpPr>
-          <p:cNvPr id="22" name="向右箭號 21"/>
-          <p:cNvSpPr/>
-          <p:nvPr/>
-        </p:nvSpPr>
-        <p:spPr>
-          <a:xfrm>
-            <a:off x="7960851" y="4557868"/>
-            <a:ext cx="757382" cy="396980"/>
-          </a:xfrm>
-          <a:prstGeom prst="rightArrow">
-            <a:avLst/>
-          </a:prstGeom>
-        </p:spPr>
-        <p:style>
-          <a:lnRef idx="1">
-            <a:schemeClr val="dk1"/>
-          </a:lnRef>
-          <a:fillRef idx="2">
-            <a:schemeClr val="dk1"/>
-          </a:fillRef>
-          <a:effectRef idx="1">
-            <a:schemeClr val="dk1"/>
-          </a:effectRef>
-          <a:fontRef idx="minor">
-            <a:schemeClr val="dk1"/>
-          </a:fontRef>
-        </p:style>
-        <p:txBody>
-          <a:bodyPr rtlCol="0" anchor="ctr"/>
-          <a:lstStyle/>
-          <a:p>
-            <a:pPr algn="ctr"/>
-            <a:endParaRPr lang="zh-TW" altLang="en-US"/>
-          </a:p>
-        </p:txBody>
-      </p:sp>
-      <p:sp>
-        <p:nvSpPr>
           <p:cNvPr id="23" name="文字方塊 22"/>
           <p:cNvSpPr txBox="1"/>
           <p:nvPr/>
         </p:nvSpPr>
         <p:spPr>
           <a:xfrm>
-            <a:off x="8930734" y="4497693"/>
+            <a:off x="6471766" y="4545453"/>
             <a:ext cx="2651599" cy="461665"/>
           </a:xfrm>
           <a:prstGeom prst="rect">

--- a/期末結案.pptx
+++ b/期末結案.pptx
@@ -5,7 +5,7 @@
     <p:sldMasterId id="2147483660" r:id="rId1"/>
   </p:sldMasterIdLst>
   <p:notesMasterIdLst>
-    <p:notesMasterId r:id="rId22"/>
+    <p:notesMasterId r:id="rId20"/>
   </p:notesMasterIdLst>
   <p:sldIdLst>
     <p:sldId id="256" r:id="rId2"/>
@@ -26,8 +26,6 @@
     <p:sldId id="268" r:id="rId17"/>
     <p:sldId id="287" r:id="rId18"/>
     <p:sldId id="278" r:id="rId19"/>
-    <p:sldId id="286" r:id="rId20"/>
-    <p:sldId id="277" r:id="rId21"/>
   </p:sldIdLst>
   <p:sldSz cx="12192000" cy="6858000"/>
   <p:notesSz cx="6858000" cy="9144000"/>
@@ -8263,172 +8261,6 @@
 </p:sld>
 </file>
 
-<file path=ppt/slides/slide19.xml><?xml version="1.0" encoding="utf-8"?>
-<p:sld xmlns:a="http://schemas.openxmlformats.org/drawingml/2006/main" xmlns:r="http://schemas.openxmlformats.org/officeDocument/2006/relationships" xmlns:p="http://schemas.openxmlformats.org/presentationml/2006/main">
-  <p:cSld>
-    <p:spTree>
-      <p:nvGrpSpPr>
-        <p:cNvPr id="1" name=""/>
-        <p:cNvGrpSpPr/>
-        <p:nvPr/>
-      </p:nvGrpSpPr>
-      <p:grpSpPr>
-        <a:xfrm>
-          <a:off x="0" y="0"/>
-          <a:ext cx="0" cy="0"/>
-          <a:chOff x="0" y="0"/>
-          <a:chExt cx="0" cy="0"/>
-        </a:xfrm>
-      </p:grpSpPr>
-      <p:sp>
-        <p:nvSpPr>
-          <p:cNvPr id="2" name="標題 1">
-            <a:extLst>
-              <a:ext uri="{FF2B5EF4-FFF2-40B4-BE49-F238E27FC236}">
-                <a16:creationId xmlns:a16="http://schemas.microsoft.com/office/drawing/2014/main" id="{52DE735E-EB4B-F444-93A9-7085C06D2D4B}"/>
-              </a:ext>
-            </a:extLst>
-          </p:cNvPr>
-          <p:cNvSpPr>
-            <a:spLocks noGrp="1"/>
-          </p:cNvSpPr>
-          <p:nvPr>
-            <p:ph type="title"/>
-          </p:nvPr>
-        </p:nvSpPr>
-        <p:spPr>
-          <a:xfrm>
-            <a:off x="1379205" y="507124"/>
-            <a:ext cx="10018713" cy="1752599"/>
-          </a:xfrm>
-        </p:spPr>
-        <p:txBody>
-          <a:bodyPr>
-            <a:normAutofit/>
-          </a:bodyPr>
-          <a:lstStyle/>
-          <a:p>
-            <a:r>
-              <a:rPr kumimoji="1" lang="zh-TW" altLang="en-US" sz="4800" dirty="0"/>
-              <a:t>評估</a:t>
-            </a:r>
-          </a:p>
-        </p:txBody>
-      </p:sp>
-      <p:sp>
-        <p:nvSpPr>
-          <p:cNvPr id="3" name="內容版面配置區 2">
-            <a:extLst>
-              <a:ext uri="{FF2B5EF4-FFF2-40B4-BE49-F238E27FC236}">
-                <a16:creationId xmlns:a16="http://schemas.microsoft.com/office/drawing/2014/main" id="{BA975A0E-79ED-9143-82AF-F4749B981ADB}"/>
-              </a:ext>
-            </a:extLst>
-          </p:cNvPr>
-          <p:cNvSpPr>
-            <a:spLocks noGrp="1"/>
-          </p:cNvSpPr>
-          <p:nvPr>
-            <p:ph idx="1"/>
-          </p:nvPr>
-        </p:nvSpPr>
-        <p:spPr>
-          <a:xfrm>
-            <a:off x="1379204" y="1891861"/>
-            <a:ext cx="10018713" cy="3124201"/>
-          </a:xfrm>
-        </p:spPr>
-        <p:txBody>
-          <a:bodyPr>
-            <a:normAutofit/>
-          </a:bodyPr>
-          <a:lstStyle/>
-          <a:p>
-            <a:r>
-              <a:rPr kumimoji="1" lang="zh-Hant" altLang="en-US" sz="2800" dirty="0">
-                <a:latin typeface="標楷體" panose="03000509000000000000" pitchFamily="65" charset="-120"/>
-                <a:ea typeface="標楷體" panose="03000509000000000000" pitchFamily="65" charset="-120"/>
-                <a:cs typeface="Arial" panose="020B0604020202020204" pitchFamily="34" charset="0"/>
-              </a:rPr>
-              <a:t>實際採用的資源以及進度估計</a:t>
-            </a:r>
-            <a:endParaRPr kumimoji="1" lang="en-US" altLang="zh-Hant" sz="2800" dirty="0">
-              <a:latin typeface="標楷體" panose="03000509000000000000" pitchFamily="65" charset="-120"/>
-              <a:ea typeface="標楷體" panose="03000509000000000000" pitchFamily="65" charset="-120"/>
-              <a:cs typeface="Arial" panose="020B0604020202020204" pitchFamily="34" charset="0"/>
-            </a:endParaRPr>
-          </a:p>
-          <a:p>
-            <a:r>
-              <a:rPr kumimoji="1" lang="zh-TW" altLang="en-US" sz="2800" dirty="0">
-                <a:latin typeface="標楷體" panose="03000509000000000000" pitchFamily="65" charset="-120"/>
-                <a:ea typeface="標楷體" panose="03000509000000000000" pitchFamily="65" charset="-120"/>
-                <a:cs typeface="Arial" panose="020B0604020202020204" pitchFamily="34" charset="0"/>
-              </a:rPr>
-              <a:t>完成度</a:t>
-            </a:r>
-            <a:r>
-              <a:rPr kumimoji="1" lang="en-US" altLang="zh-TW" sz="2800" dirty="0">
-                <a:latin typeface="標楷體" panose="03000509000000000000" pitchFamily="65" charset="-120"/>
-                <a:ea typeface="標楷體" panose="03000509000000000000" pitchFamily="65" charset="-120"/>
-                <a:cs typeface="Arial" panose="020B0604020202020204" pitchFamily="34" charset="0"/>
-              </a:rPr>
-              <a:t>(</a:t>
-            </a:r>
-            <a:r>
-              <a:rPr kumimoji="1" lang="zh-TW" altLang="en-US" sz="2800" dirty="0">
-                <a:latin typeface="標楷體" panose="03000509000000000000" pitchFamily="65" charset="-120"/>
-                <a:ea typeface="標楷體" panose="03000509000000000000" pitchFamily="65" charset="-120"/>
-                <a:cs typeface="Arial" panose="020B0604020202020204" pitchFamily="34" charset="0"/>
-              </a:rPr>
-              <a:t>多做或不足</a:t>
-            </a:r>
-            <a:r>
-              <a:rPr kumimoji="1" lang="en-US" altLang="zh-TW" sz="2800" dirty="0">
-                <a:latin typeface="標楷體" panose="03000509000000000000" pitchFamily="65" charset="-120"/>
-                <a:ea typeface="標楷體" panose="03000509000000000000" pitchFamily="65" charset="-120"/>
-                <a:cs typeface="Arial" panose="020B0604020202020204" pitchFamily="34" charset="0"/>
-              </a:rPr>
-              <a:t>)</a:t>
-            </a:r>
-          </a:p>
-          <a:p>
-            <a:r>
-              <a:rPr kumimoji="1" lang="zh-TW" altLang="en-US" sz="2800" dirty="0">
-                <a:latin typeface="標楷體" panose="03000509000000000000" pitchFamily="65" charset="-120"/>
-                <a:ea typeface="標楷體" panose="03000509000000000000" pitchFamily="65" charset="-120"/>
-                <a:cs typeface="Arial" panose="020B0604020202020204" pitchFamily="34" charset="0"/>
-              </a:rPr>
-              <a:t>未完善的部份有那些，原因為何</a:t>
-            </a:r>
-            <a:r>
-              <a:rPr kumimoji="1" lang="en-US" altLang="zh-TW" sz="2800" dirty="0">
-                <a:latin typeface="標楷體" panose="03000509000000000000" pitchFamily="65" charset="-120"/>
-                <a:ea typeface="標楷體" panose="03000509000000000000" pitchFamily="65" charset="-120"/>
-                <a:cs typeface="Arial" panose="020B0604020202020204" pitchFamily="34" charset="0"/>
-              </a:rPr>
-              <a:t>?</a:t>
-            </a:r>
-            <a:endParaRPr kumimoji="1" lang="zh-TW" altLang="en-US" sz="2800" dirty="0">
-              <a:latin typeface="標楷體" panose="03000509000000000000" pitchFamily="65" charset="-120"/>
-              <a:ea typeface="標楷體" panose="03000509000000000000" pitchFamily="65" charset="-120"/>
-              <a:cs typeface="Arial" panose="020B0604020202020204" pitchFamily="34" charset="0"/>
-            </a:endParaRPr>
-          </a:p>
-        </p:txBody>
-      </p:sp>
-    </p:spTree>
-    <p:extLst>
-      <p:ext uri="{BB962C8B-B14F-4D97-AF65-F5344CB8AC3E}">
-        <p14:creationId xmlns:p14="http://schemas.microsoft.com/office/powerpoint/2010/main" val="3254092091"/>
-      </p:ext>
-    </p:extLst>
-  </p:cSld>
-  <p:clrMapOvr>
-    <a:masterClrMapping/>
-  </p:clrMapOvr>
-</p:sld>
-</file>
-
 <file path=ppt/slides/slide2.xml><?xml version="1.0" encoding="utf-8"?>
 <p:sld xmlns:a="http://schemas.openxmlformats.org/drawingml/2006/main" xmlns:r="http://schemas.openxmlformats.org/officeDocument/2006/relationships" xmlns:p="http://schemas.openxmlformats.org/presentationml/2006/main">
   <p:cSld>
@@ -8936,139 +8768,6 @@
     <p:extLst>
       <p:ext uri="{BB962C8B-B14F-4D97-AF65-F5344CB8AC3E}">
         <p14:creationId xmlns:p14="http://schemas.microsoft.com/office/powerpoint/2010/main" val="109970284"/>
-      </p:ext>
-    </p:extLst>
-  </p:cSld>
-  <p:clrMapOvr>
-    <a:masterClrMapping/>
-  </p:clrMapOvr>
-  <p:timing>
-    <p:tnLst>
-      <p:par>
-        <p:cTn id="1" dur="indefinite" restart="never" nodeType="tmRoot"/>
-      </p:par>
-    </p:tnLst>
-  </p:timing>
-</p:sld>
-</file>
-
-<file path=ppt/slides/slide20.xml><?xml version="1.0" encoding="utf-8"?>
-<p:sld xmlns:a="http://schemas.openxmlformats.org/drawingml/2006/main" xmlns:r="http://schemas.openxmlformats.org/officeDocument/2006/relationships" xmlns:p="http://schemas.openxmlformats.org/presentationml/2006/main">
-  <p:cSld>
-    <p:spTree>
-      <p:nvGrpSpPr>
-        <p:cNvPr id="1" name=""/>
-        <p:cNvGrpSpPr/>
-        <p:nvPr/>
-      </p:nvGrpSpPr>
-      <p:grpSpPr>
-        <a:xfrm>
-          <a:off x="0" y="0"/>
-          <a:ext cx="0" cy="0"/>
-          <a:chOff x="0" y="0"/>
-          <a:chExt cx="0" cy="0"/>
-        </a:xfrm>
-      </p:grpSpPr>
-      <p:sp>
-        <p:nvSpPr>
-          <p:cNvPr id="2" name="標題 1"/>
-          <p:cNvSpPr>
-            <a:spLocks noGrp="1"/>
-          </p:cNvSpPr>
-          <p:nvPr>
-            <p:ph type="title"/>
-          </p:nvPr>
-        </p:nvSpPr>
-        <p:spPr/>
-        <p:txBody>
-          <a:bodyPr/>
-          <a:lstStyle/>
-          <a:p>
-            <a:r>
-              <a:rPr lang="zh-TW" altLang="en-US" dirty="0"/>
-              <a:t>應繳交文件</a:t>
-            </a:r>
-          </a:p>
-        </p:txBody>
-      </p:sp>
-      <p:sp>
-        <p:nvSpPr>
-          <p:cNvPr id="3" name="內容版面配置區 2"/>
-          <p:cNvSpPr>
-            <a:spLocks noGrp="1"/>
-          </p:cNvSpPr>
-          <p:nvPr>
-            <p:ph idx="1"/>
-          </p:nvPr>
-        </p:nvSpPr>
-        <p:spPr/>
-        <p:txBody>
-          <a:bodyPr/>
-          <a:lstStyle/>
-          <a:p>
-            <a:r>
-              <a:rPr lang="zh-TW" altLang="en-US" dirty="0"/>
-              <a:t>下列文件請以組為單位，連同投影片一同上傳</a:t>
-            </a:r>
-            <a:endParaRPr lang="en-US" altLang="zh-TW" dirty="0"/>
-          </a:p>
-          <a:p>
-            <a:pPr lvl="1"/>
-            <a:r>
-              <a:rPr lang="zh-TW" altLang="en-US" dirty="0"/>
-              <a:t>架構設計</a:t>
-            </a:r>
-            <a:r>
-              <a:rPr lang="en-US" altLang="zh-TW" dirty="0"/>
-              <a:t>: </a:t>
-            </a:r>
-            <a:r>
-              <a:rPr lang="zh-TW" altLang="en-US" dirty="0"/>
-              <a:t>元件圖、佈署圖、類別圖</a:t>
-            </a:r>
-          </a:p>
-          <a:p>
-            <a:pPr lvl="1"/>
-            <a:r>
-              <a:rPr lang="zh-TW" altLang="en-US" dirty="0"/>
-              <a:t>架構設計的說明 </a:t>
-            </a:r>
-          </a:p>
-          <a:p>
-            <a:pPr lvl="1"/>
-            <a:r>
-              <a:rPr lang="zh-TW" altLang="en-US" dirty="0"/>
-              <a:t>程式畫面截圖</a:t>
-            </a:r>
-          </a:p>
-          <a:p>
-            <a:pPr lvl="1"/>
-            <a:r>
-              <a:rPr lang="zh-TW" altLang="en-US" dirty="0"/>
-              <a:t>團隊分工說明</a:t>
-            </a:r>
-          </a:p>
-          <a:p>
-            <a:pPr lvl="1"/>
-            <a:r>
-              <a:rPr lang="zh-TW" altLang="en-US" dirty="0"/>
-              <a:t>最後成果</a:t>
-            </a:r>
-            <a:r>
-              <a:rPr lang="en-US" altLang="zh-TW" dirty="0" err="1"/>
-              <a:t>Github</a:t>
-            </a:r>
-            <a:r>
-              <a:rPr lang="zh-TW" altLang="en-US" dirty="0"/>
-              <a:t>網址</a:t>
-            </a:r>
-          </a:p>
-        </p:txBody>
-      </p:sp>
-    </p:spTree>
-    <p:extLst>
-      <p:ext uri="{BB962C8B-B14F-4D97-AF65-F5344CB8AC3E}">
-        <p14:creationId xmlns:p14="http://schemas.microsoft.com/office/powerpoint/2010/main" val="3423192343"/>
       </p:ext>
     </p:extLst>
   </p:cSld>
@@ -9156,7 +8855,7 @@
         </p:nvSpPr>
         <p:spPr>
           <a:xfrm>
-            <a:off x="1810131" y="2215054"/>
+            <a:off x="1810131" y="1998744"/>
             <a:ext cx="10018713" cy="3124201"/>
           </a:xfrm>
         </p:spPr>
@@ -9179,18 +8878,8 @@
           </a:p>
           <a:p>
             <a:r>
-              <a:rPr kumimoji="1" lang="en-US" altLang="zh-Hant" sz="3600" dirty="0"/>
+              <a:rPr kumimoji="1" lang="en-US" altLang="zh-Hant" sz="3600" dirty="0" smtClean="0"/>
               <a:t>Features</a:t>
-            </a:r>
-          </a:p>
-          <a:p>
-            <a:r>
-              <a:rPr kumimoji="1" lang="en-US" altLang="zh-Hant" sz="3600" dirty="0"/>
-              <a:t>GUI/</a:t>
-            </a:r>
-            <a:r>
-              <a:rPr kumimoji="1" lang="zh-TW" altLang="en-US" sz="3600" dirty="0"/>
-              <a:t>流程</a:t>
             </a:r>
             <a:endParaRPr kumimoji="1" lang="en-US" altLang="zh-Hant" sz="3600" dirty="0"/>
           </a:p>
